--- a/img/information_exchange.pptx
+++ b/img/information_exchange.pptx
@@ -104,6 +104,11 @@
       </a:defRPr>
     </a:lvl9pPr>
   </p:defaultTextStyle>
+  <p:extLst>
+    <p:ext uri="{EFAFB233-063F-42B5-8137-9DF3F51BA10A}">
+      <p15:sldGuideLst xmlns:p15="http://schemas.microsoft.com/office/powerpoint/2012/main"/>
+    </p:ext>
+  </p:extLst>
 </p:presentation>
 </file>
 
@@ -4373,9 +4378,9 @@
           <p:nvPr/>
         </p:nvSpPr>
         <p:spPr>
-          <a:xfrm rot="10034114">
-            <a:off x="3327339" y="3198345"/>
-            <a:ext cx="461040" cy="1495926"/>
+          <a:xfrm rot="11203892">
+            <a:off x="3748026" y="2854733"/>
+            <a:ext cx="461040" cy="1849006"/>
           </a:xfrm>
           <a:prstGeom prst="triangle">
             <a:avLst/>
@@ -4433,8 +4438,8 @@
         </p:nvSpPr>
         <p:spPr>
           <a:xfrm>
-            <a:off x="295564" y="140219"/>
-            <a:ext cx="3826194" cy="3353441"/>
+            <a:off x="295563" y="140220"/>
+            <a:ext cx="4568507" cy="2922110"/>
           </a:xfrm>
           <a:prstGeom prst="roundRect">
             <a:avLst/>
@@ -5626,10 +5631,10 @@
         </p:nvGrpSpPr>
         <p:grpSpPr>
           <a:xfrm>
-            <a:off x="608501" y="398225"/>
-            <a:ext cx="3244976" cy="2767753"/>
-            <a:chOff x="445894" y="697094"/>
-            <a:chExt cx="3244976" cy="2767753"/>
+            <a:off x="562313" y="300878"/>
+            <a:ext cx="3029518" cy="2588018"/>
+            <a:chOff x="445886" y="876831"/>
+            <a:chExt cx="3029518" cy="2588018"/>
           </a:xfrm>
         </p:grpSpPr>
         <p:sp>
@@ -6313,10 +6318,10 @@
           </p:nvGrpSpPr>
           <p:grpSpPr>
             <a:xfrm>
-              <a:off x="445894" y="697094"/>
-              <a:ext cx="3244976" cy="2767753"/>
-              <a:chOff x="445894" y="697094"/>
-              <a:chExt cx="3244976" cy="2767753"/>
+              <a:off x="445886" y="876831"/>
+              <a:ext cx="3029518" cy="2588018"/>
+              <a:chOff x="445886" y="876831"/>
+              <a:chExt cx="3029518" cy="2588018"/>
             </a:xfrm>
           </p:grpSpPr>
           <p:grpSp>
@@ -6333,10 +6338,10 @@
             </p:nvGrpSpPr>
             <p:grpSpPr>
               <a:xfrm>
-                <a:off x="445894" y="697094"/>
-                <a:ext cx="3244976" cy="2767753"/>
-                <a:chOff x="445894" y="697094"/>
-                <a:chExt cx="3244976" cy="2767753"/>
+                <a:off x="445886" y="876831"/>
+                <a:ext cx="3029518" cy="2588018"/>
+                <a:chOff x="445886" y="876831"/>
+                <a:chExt cx="3029518" cy="2588018"/>
               </a:xfrm>
             </p:grpSpPr>
             <p:grpSp>
@@ -6355,10 +6360,10 @@
               </p:nvGrpSpPr>
               <p:grpSpPr>
                 <a:xfrm>
-                  <a:off x="445894" y="697094"/>
-                  <a:ext cx="3244976" cy="2767753"/>
-                  <a:chOff x="2052887" y="3498338"/>
-                  <a:chExt cx="842734" cy="718797"/>
+                  <a:off x="445886" y="876831"/>
+                  <a:ext cx="1683990" cy="2588018"/>
+                  <a:chOff x="2052887" y="3545016"/>
+                  <a:chExt cx="437340" cy="672119"/>
                 </a:xfrm>
               </p:grpSpPr>
               <p:sp>
@@ -6480,74 +6485,6 @@
                   <a:p>
                     <a:pPr algn="ctr"/>
                     <a:endParaRPr lang="en-GB"/>
-                  </a:p>
-                </p:txBody>
-              </p:sp>
-              <p:sp>
-                <p:nvSpPr>
-                  <p:cNvPr id="53" name="Diagonal Stripe 52">
-                    <a:extLst>
-                      <a:ext uri="{FF2B5EF4-FFF2-40B4-BE49-F238E27FC236}">
-                        <a16:creationId xmlns:a16="http://schemas.microsoft.com/office/drawing/2014/main" id="{44E177BD-8C81-2CAA-DAA2-0052670E4CB4}"/>
-                      </a:ext>
-                    </a:extLst>
-                  </p:cNvPr>
-                  <p:cNvSpPr>
-                    <a:spLocks noChangeAspect="1"/>
-                  </p:cNvSpPr>
-                  <p:nvPr/>
-                </p:nvSpPr>
-                <p:spPr>
-                  <a:xfrm>
-                    <a:off x="2844231" y="3498338"/>
-                    <a:ext cx="51390" cy="212673"/>
-                  </a:xfrm>
-                  <a:prstGeom prst="diagStripe">
-                    <a:avLst>
-                      <a:gd name="adj" fmla="val 80050"/>
-                    </a:avLst>
-                  </a:prstGeom>
-                  <a:solidFill>
-                    <a:schemeClr val="tx1">
-                      <a:lumMod val="85000"/>
-                      <a:lumOff val="15000"/>
-                    </a:schemeClr>
-                  </a:solidFill>
-                  <a:ln>
-                    <a:solidFill>
-                      <a:schemeClr val="tx1">
-                        <a:lumMod val="85000"/>
-                        <a:lumOff val="15000"/>
-                      </a:schemeClr>
-                    </a:solidFill>
-                  </a:ln>
-                </p:spPr>
-                <p:style>
-                  <a:lnRef idx="2">
-                    <a:schemeClr val="accent1">
-                      <a:shade val="15000"/>
-                    </a:schemeClr>
-                  </a:lnRef>
-                  <a:fillRef idx="1">
-                    <a:schemeClr val="accent1"/>
-                  </a:fillRef>
-                  <a:effectRef idx="0">
-                    <a:schemeClr val="accent1"/>
-                  </a:effectRef>
-                  <a:fontRef idx="minor">
-                    <a:schemeClr val="lt1"/>
-                  </a:fontRef>
-                </p:style>
-                <p:txBody>
-                  <a:bodyPr rtlCol="0" anchor="ctr"/>
-                  <a:lstStyle/>
-                  <a:p>
-                    <a:pPr algn="ctr"/>
-                    <a:endParaRPr lang="en-GB">
-                      <a:solidFill>
-                        <a:schemeClr val="tx1"/>
-                      </a:solidFill>
-                    </a:endParaRPr>
                   </a:p>
                 </p:txBody>
               </p:sp>
@@ -12804,6 +12741,2272 @@
           </a:p>
         </p:txBody>
       </p:sp>
+      <p:grpSp>
+        <p:nvGrpSpPr>
+          <p:cNvPr id="153" name="Group 152">
+            <a:extLst>
+              <a:ext uri="{FF2B5EF4-FFF2-40B4-BE49-F238E27FC236}">
+                <a16:creationId xmlns:a16="http://schemas.microsoft.com/office/drawing/2014/main" id="{229D3EA3-78D0-AFD8-31DE-BC13320B3C7D}"/>
+              </a:ext>
+            </a:extLst>
+          </p:cNvPr>
+          <p:cNvGrpSpPr/>
+          <p:nvPr/>
+        </p:nvGrpSpPr>
+        <p:grpSpPr>
+          <a:xfrm>
+            <a:off x="3589072" y="1090916"/>
+            <a:ext cx="1282750" cy="1409902"/>
+            <a:chOff x="3635252" y="1368000"/>
+            <a:chExt cx="1282750" cy="1409902"/>
+          </a:xfrm>
+        </p:grpSpPr>
+        <p:grpSp>
+          <p:nvGrpSpPr>
+            <p:cNvPr id="130" name="Group 129">
+              <a:extLst>
+                <a:ext uri="{FF2B5EF4-FFF2-40B4-BE49-F238E27FC236}">
+                  <a16:creationId xmlns:a16="http://schemas.microsoft.com/office/drawing/2014/main" id="{7277FC41-74A7-B110-757B-C2E4C0D0CF3B}"/>
+                </a:ext>
+              </a:extLst>
+            </p:cNvPr>
+            <p:cNvGrpSpPr/>
+            <p:nvPr/>
+          </p:nvGrpSpPr>
+          <p:grpSpPr>
+            <a:xfrm>
+              <a:off x="3829246" y="1663115"/>
+              <a:ext cx="1088756" cy="1114787"/>
+              <a:chOff x="3829246" y="1663115"/>
+              <a:chExt cx="1088756" cy="1114787"/>
+            </a:xfrm>
+          </p:grpSpPr>
+          <p:sp>
+            <p:nvSpPr>
+              <p:cNvPr id="4" name="TextBox 3">
+                <a:extLst>
+                  <a:ext uri="{FF2B5EF4-FFF2-40B4-BE49-F238E27FC236}">
+                    <a16:creationId xmlns:a16="http://schemas.microsoft.com/office/drawing/2014/main" id="{0CD508DC-0F5B-5870-C559-74F2FA848347}"/>
+                  </a:ext>
+                </a:extLst>
+              </p:cNvPr>
+              <p:cNvSpPr txBox="1"/>
+              <p:nvPr/>
+            </p:nvSpPr>
+            <p:spPr>
+              <a:xfrm>
+                <a:off x="4086274" y="1663115"/>
+                <a:ext cx="831728" cy="253916"/>
+              </a:xfrm>
+              <a:prstGeom prst="rect">
+                <a:avLst/>
+              </a:prstGeom>
+              <a:noFill/>
+            </p:spPr>
+            <p:txBody>
+              <a:bodyPr wrap="square" rtlCol="0">
+                <a:spAutoFit/>
+              </a:bodyPr>
+              <a:lstStyle/>
+              <a:p>
+                <a:r>
+                  <a:rPr lang="en-US" sz="1050" b="1" dirty="0"/>
+                  <a:t>ANTENNA</a:t>
+                </a:r>
+                <a:endParaRPr lang="en-GB" sz="1050" b="1" dirty="0"/>
+              </a:p>
+            </p:txBody>
+          </p:sp>
+          <p:grpSp>
+            <p:nvGrpSpPr>
+              <p:cNvPr id="50" name="Group 49">
+                <a:extLst>
+                  <a:ext uri="{FF2B5EF4-FFF2-40B4-BE49-F238E27FC236}">
+                    <a16:creationId xmlns:a16="http://schemas.microsoft.com/office/drawing/2014/main" id="{8294F519-8C01-7CD8-1431-32C5E732BD67}"/>
+                  </a:ext>
+                </a:extLst>
+              </p:cNvPr>
+              <p:cNvGrpSpPr>
+                <a:grpSpLocks noChangeAspect="1"/>
+              </p:cNvGrpSpPr>
+              <p:nvPr/>
+            </p:nvGrpSpPr>
+            <p:grpSpPr>
+              <a:xfrm flipH="1">
+                <a:off x="3829246" y="2157820"/>
+                <a:ext cx="621792" cy="620082"/>
+                <a:chOff x="3018772" y="2505206"/>
+                <a:chExt cx="542793" cy="542908"/>
+              </a:xfrm>
+            </p:grpSpPr>
+            <p:sp>
+              <p:nvSpPr>
+                <p:cNvPr id="61" name="Rectangle 60">
+                  <a:extLst>
+                    <a:ext uri="{FF2B5EF4-FFF2-40B4-BE49-F238E27FC236}">
+                      <a16:creationId xmlns:a16="http://schemas.microsoft.com/office/drawing/2014/main" id="{FEF4407C-EFC4-3AFB-4FD9-334676A4A471}"/>
+                    </a:ext>
+                  </a:extLst>
+                </p:cNvPr>
+                <p:cNvSpPr/>
+                <p:nvPr/>
+              </p:nvSpPr>
+              <p:spPr>
+                <a:xfrm>
+                  <a:off x="3018772" y="2505206"/>
+                  <a:ext cx="542793" cy="542908"/>
+                </a:xfrm>
+                <a:prstGeom prst="rect">
+                  <a:avLst/>
+                </a:prstGeom>
+                <a:solidFill>
+                  <a:schemeClr val="tx2">
+                    <a:lumMod val="90000"/>
+                    <a:lumOff val="10000"/>
+                  </a:schemeClr>
+                </a:solidFill>
+                <a:ln>
+                  <a:solidFill>
+                    <a:schemeClr val="bg1">
+                      <a:lumMod val="65000"/>
+                    </a:schemeClr>
+                  </a:solidFill>
+                </a:ln>
+              </p:spPr>
+              <p:style>
+                <a:lnRef idx="2">
+                  <a:schemeClr val="accent1">
+                    <a:shade val="15000"/>
+                  </a:schemeClr>
+                </a:lnRef>
+                <a:fillRef idx="1">
+                  <a:schemeClr val="accent1"/>
+                </a:fillRef>
+                <a:effectRef idx="0">
+                  <a:schemeClr val="accent1"/>
+                </a:effectRef>
+                <a:fontRef idx="minor">
+                  <a:schemeClr val="lt1"/>
+                </a:fontRef>
+              </p:style>
+              <p:txBody>
+                <a:bodyPr rtlCol="0" anchor="ctr"/>
+                <a:lstStyle/>
+                <a:p>
+                  <a:pPr algn="ctr"/>
+                  <a:endParaRPr lang="en-GB"/>
+                </a:p>
+              </p:txBody>
+            </p:sp>
+            <p:sp>
+              <p:nvSpPr>
+                <p:cNvPr id="62" name="Rectangle: Bevelled 12">
+                  <a:extLst>
+                    <a:ext uri="{FF2B5EF4-FFF2-40B4-BE49-F238E27FC236}">
+                      <a16:creationId xmlns:a16="http://schemas.microsoft.com/office/drawing/2014/main" id="{D0DCBE00-D00F-3058-C275-0D31DE813DD1}"/>
+                    </a:ext>
+                  </a:extLst>
+                </p:cNvPr>
+                <p:cNvSpPr/>
+                <p:nvPr/>
+              </p:nvSpPr>
+              <p:spPr>
+                <a:xfrm>
+                  <a:off x="3167903" y="2686320"/>
+                  <a:ext cx="284428" cy="285397"/>
+                </a:xfrm>
+                <a:prstGeom prst="bevel">
+                  <a:avLst>
+                    <a:gd name="adj" fmla="val 7143"/>
+                  </a:avLst>
+                </a:prstGeom>
+                <a:solidFill>
+                  <a:schemeClr val="bg2">
+                    <a:lumMod val="75000"/>
+                  </a:schemeClr>
+                </a:solidFill>
+                <a:ln>
+                  <a:solidFill>
+                    <a:schemeClr val="bg1">
+                      <a:lumMod val="50000"/>
+                    </a:schemeClr>
+                  </a:solidFill>
+                </a:ln>
+              </p:spPr>
+              <p:style>
+                <a:lnRef idx="2">
+                  <a:schemeClr val="accent1">
+                    <a:shade val="15000"/>
+                  </a:schemeClr>
+                </a:lnRef>
+                <a:fillRef idx="1">
+                  <a:schemeClr val="accent1"/>
+                </a:fillRef>
+                <a:effectRef idx="0">
+                  <a:schemeClr val="accent1"/>
+                </a:effectRef>
+                <a:fontRef idx="minor">
+                  <a:schemeClr val="lt1"/>
+                </a:fontRef>
+              </p:style>
+              <p:txBody>
+                <a:bodyPr rtlCol="0" anchor="ctr"/>
+                <a:lstStyle/>
+                <a:p>
+                  <a:pPr algn="ctr"/>
+                  <a:endParaRPr lang="en-GB"/>
+                </a:p>
+              </p:txBody>
+            </p:sp>
+            <p:grpSp>
+              <p:nvGrpSpPr>
+                <p:cNvPr id="63" name="Group 62">
+                  <a:extLst>
+                    <a:ext uri="{FF2B5EF4-FFF2-40B4-BE49-F238E27FC236}">
+                      <a16:creationId xmlns:a16="http://schemas.microsoft.com/office/drawing/2014/main" id="{2F56D746-C48F-F865-00E5-CAFE88399A83}"/>
+                    </a:ext>
+                  </a:extLst>
+                </p:cNvPr>
+                <p:cNvGrpSpPr/>
+                <p:nvPr/>
+              </p:nvGrpSpPr>
+              <p:grpSpPr>
+                <a:xfrm>
+                  <a:off x="3498790" y="2555660"/>
+                  <a:ext cx="27432" cy="441415"/>
+                  <a:chOff x="3498790" y="2555660"/>
+                  <a:chExt cx="27432" cy="441415"/>
+                </a:xfrm>
+              </p:grpSpPr>
+              <p:sp>
+                <p:nvSpPr>
+                  <p:cNvPr id="94" name="Oval 93">
+                    <a:extLst>
+                      <a:ext uri="{FF2B5EF4-FFF2-40B4-BE49-F238E27FC236}">
+                        <a16:creationId xmlns:a16="http://schemas.microsoft.com/office/drawing/2014/main" id="{5ED93C7B-4035-8447-F85E-BD1B0DFC39C0}"/>
+                      </a:ext>
+                    </a:extLst>
+                  </p:cNvPr>
+                  <p:cNvSpPr/>
+                  <p:nvPr/>
+                </p:nvSpPr>
+                <p:spPr>
+                  <a:xfrm>
+                    <a:off x="3498790" y="2555660"/>
+                    <a:ext cx="27432" cy="27432"/>
+                  </a:xfrm>
+                  <a:prstGeom prst="ellipse">
+                    <a:avLst/>
+                  </a:prstGeom>
+                  <a:solidFill>
+                    <a:schemeClr val="bg1">
+                      <a:lumMod val="50000"/>
+                    </a:schemeClr>
+                  </a:solidFill>
+                  <a:ln>
+                    <a:solidFill>
+                      <a:schemeClr val="bg1">
+                        <a:lumMod val="50000"/>
+                      </a:schemeClr>
+                    </a:solidFill>
+                  </a:ln>
+                </p:spPr>
+                <p:style>
+                  <a:lnRef idx="2">
+                    <a:schemeClr val="accent1">
+                      <a:shade val="15000"/>
+                    </a:schemeClr>
+                  </a:lnRef>
+                  <a:fillRef idx="1">
+                    <a:schemeClr val="accent1"/>
+                  </a:fillRef>
+                  <a:effectRef idx="0">
+                    <a:schemeClr val="accent1"/>
+                  </a:effectRef>
+                  <a:fontRef idx="minor">
+                    <a:schemeClr val="lt1"/>
+                  </a:fontRef>
+                </p:style>
+                <p:txBody>
+                  <a:bodyPr rtlCol="0" anchor="ctr"/>
+                  <a:lstStyle/>
+                  <a:p>
+                    <a:pPr algn="ctr"/>
+                    <a:endParaRPr lang="en-GB">
+                      <a:solidFill>
+                        <a:sysClr val="windowText" lastClr="000000"/>
+                      </a:solidFill>
+                    </a:endParaRPr>
+                  </a:p>
+                </p:txBody>
+              </p:sp>
+              <p:sp>
+                <p:nvSpPr>
+                  <p:cNvPr id="97" name="Oval 96">
+                    <a:extLst>
+                      <a:ext uri="{FF2B5EF4-FFF2-40B4-BE49-F238E27FC236}">
+                        <a16:creationId xmlns:a16="http://schemas.microsoft.com/office/drawing/2014/main" id="{32BEA691-A80F-0450-D7C7-80D8DD7AEA0C}"/>
+                      </a:ext>
+                    </a:extLst>
+                  </p:cNvPr>
+                  <p:cNvSpPr/>
+                  <p:nvPr/>
+                </p:nvSpPr>
+                <p:spPr>
+                  <a:xfrm>
+                    <a:off x="3498790" y="2607274"/>
+                    <a:ext cx="27432" cy="27432"/>
+                  </a:xfrm>
+                  <a:prstGeom prst="ellipse">
+                    <a:avLst/>
+                  </a:prstGeom>
+                  <a:solidFill>
+                    <a:schemeClr val="bg1">
+                      <a:lumMod val="50000"/>
+                    </a:schemeClr>
+                  </a:solidFill>
+                  <a:ln>
+                    <a:solidFill>
+                      <a:schemeClr val="bg1">
+                        <a:lumMod val="50000"/>
+                      </a:schemeClr>
+                    </a:solidFill>
+                  </a:ln>
+                </p:spPr>
+                <p:style>
+                  <a:lnRef idx="2">
+                    <a:schemeClr val="accent1">
+                      <a:shade val="15000"/>
+                    </a:schemeClr>
+                  </a:lnRef>
+                  <a:fillRef idx="1">
+                    <a:schemeClr val="accent1"/>
+                  </a:fillRef>
+                  <a:effectRef idx="0">
+                    <a:schemeClr val="accent1"/>
+                  </a:effectRef>
+                  <a:fontRef idx="minor">
+                    <a:schemeClr val="lt1"/>
+                  </a:fontRef>
+                </p:style>
+                <p:txBody>
+                  <a:bodyPr rtlCol="0" anchor="ctr"/>
+                  <a:lstStyle/>
+                  <a:p>
+                    <a:pPr algn="ctr"/>
+                    <a:endParaRPr lang="en-GB">
+                      <a:solidFill>
+                        <a:sysClr val="windowText" lastClr="000000"/>
+                      </a:solidFill>
+                    </a:endParaRPr>
+                  </a:p>
+                </p:txBody>
+              </p:sp>
+              <p:sp>
+                <p:nvSpPr>
+                  <p:cNvPr id="98" name="Oval 97">
+                    <a:extLst>
+                      <a:ext uri="{FF2B5EF4-FFF2-40B4-BE49-F238E27FC236}">
+                        <a16:creationId xmlns:a16="http://schemas.microsoft.com/office/drawing/2014/main" id="{977D4263-CB69-2359-F443-09956ECA35E9}"/>
+                      </a:ext>
+                    </a:extLst>
+                  </p:cNvPr>
+                  <p:cNvSpPr/>
+                  <p:nvPr/>
+                </p:nvSpPr>
+                <p:spPr>
+                  <a:xfrm>
+                    <a:off x="3498790" y="2658888"/>
+                    <a:ext cx="27432" cy="27432"/>
+                  </a:xfrm>
+                  <a:prstGeom prst="ellipse">
+                    <a:avLst/>
+                  </a:prstGeom>
+                  <a:solidFill>
+                    <a:schemeClr val="bg1">
+                      <a:lumMod val="50000"/>
+                    </a:schemeClr>
+                  </a:solidFill>
+                  <a:ln>
+                    <a:solidFill>
+                      <a:schemeClr val="bg1">
+                        <a:lumMod val="50000"/>
+                      </a:schemeClr>
+                    </a:solidFill>
+                  </a:ln>
+                </p:spPr>
+                <p:style>
+                  <a:lnRef idx="2">
+                    <a:schemeClr val="accent1">
+                      <a:shade val="15000"/>
+                    </a:schemeClr>
+                  </a:lnRef>
+                  <a:fillRef idx="1">
+                    <a:schemeClr val="accent1"/>
+                  </a:fillRef>
+                  <a:effectRef idx="0">
+                    <a:schemeClr val="accent1"/>
+                  </a:effectRef>
+                  <a:fontRef idx="minor">
+                    <a:schemeClr val="lt1"/>
+                  </a:fontRef>
+                </p:style>
+                <p:txBody>
+                  <a:bodyPr rtlCol="0" anchor="ctr"/>
+                  <a:lstStyle/>
+                  <a:p>
+                    <a:pPr algn="ctr"/>
+                    <a:endParaRPr lang="en-GB">
+                      <a:solidFill>
+                        <a:sysClr val="windowText" lastClr="000000"/>
+                      </a:solidFill>
+                    </a:endParaRPr>
+                  </a:p>
+                </p:txBody>
+              </p:sp>
+              <p:sp>
+                <p:nvSpPr>
+                  <p:cNvPr id="99" name="Oval 98">
+                    <a:extLst>
+                      <a:ext uri="{FF2B5EF4-FFF2-40B4-BE49-F238E27FC236}">
+                        <a16:creationId xmlns:a16="http://schemas.microsoft.com/office/drawing/2014/main" id="{98F51DC3-DB43-459C-2F24-DDD95138F68A}"/>
+                      </a:ext>
+                    </a:extLst>
+                  </p:cNvPr>
+                  <p:cNvSpPr/>
+                  <p:nvPr/>
+                </p:nvSpPr>
+                <p:spPr>
+                  <a:xfrm>
+                    <a:off x="3498790" y="2710175"/>
+                    <a:ext cx="27432" cy="27432"/>
+                  </a:xfrm>
+                  <a:prstGeom prst="ellipse">
+                    <a:avLst/>
+                  </a:prstGeom>
+                  <a:solidFill>
+                    <a:schemeClr val="bg1">
+                      <a:lumMod val="50000"/>
+                    </a:schemeClr>
+                  </a:solidFill>
+                  <a:ln>
+                    <a:solidFill>
+                      <a:schemeClr val="bg1">
+                        <a:lumMod val="50000"/>
+                      </a:schemeClr>
+                    </a:solidFill>
+                  </a:ln>
+                </p:spPr>
+                <p:style>
+                  <a:lnRef idx="2">
+                    <a:schemeClr val="accent1">
+                      <a:shade val="15000"/>
+                    </a:schemeClr>
+                  </a:lnRef>
+                  <a:fillRef idx="1">
+                    <a:schemeClr val="accent1"/>
+                  </a:fillRef>
+                  <a:effectRef idx="0">
+                    <a:schemeClr val="accent1"/>
+                  </a:effectRef>
+                  <a:fontRef idx="minor">
+                    <a:schemeClr val="lt1"/>
+                  </a:fontRef>
+                </p:style>
+                <p:txBody>
+                  <a:bodyPr rtlCol="0" anchor="ctr"/>
+                  <a:lstStyle/>
+                  <a:p>
+                    <a:pPr algn="ctr"/>
+                    <a:endParaRPr lang="en-GB">
+                      <a:solidFill>
+                        <a:sysClr val="windowText" lastClr="000000"/>
+                      </a:solidFill>
+                    </a:endParaRPr>
+                  </a:p>
+                </p:txBody>
+              </p:sp>
+              <p:sp>
+                <p:nvSpPr>
+                  <p:cNvPr id="100" name="Oval 99">
+                    <a:extLst>
+                      <a:ext uri="{FF2B5EF4-FFF2-40B4-BE49-F238E27FC236}">
+                        <a16:creationId xmlns:a16="http://schemas.microsoft.com/office/drawing/2014/main" id="{38277C93-9D95-7F14-1F73-7E9F78FCE7CA}"/>
+                      </a:ext>
+                    </a:extLst>
+                  </p:cNvPr>
+                  <p:cNvSpPr/>
+                  <p:nvPr/>
+                </p:nvSpPr>
+                <p:spPr>
+                  <a:xfrm>
+                    <a:off x="3498790" y="2761789"/>
+                    <a:ext cx="27432" cy="27432"/>
+                  </a:xfrm>
+                  <a:prstGeom prst="ellipse">
+                    <a:avLst/>
+                  </a:prstGeom>
+                  <a:solidFill>
+                    <a:schemeClr val="bg1">
+                      <a:lumMod val="50000"/>
+                    </a:schemeClr>
+                  </a:solidFill>
+                  <a:ln>
+                    <a:solidFill>
+                      <a:schemeClr val="bg1">
+                        <a:lumMod val="50000"/>
+                      </a:schemeClr>
+                    </a:solidFill>
+                  </a:ln>
+                </p:spPr>
+                <p:style>
+                  <a:lnRef idx="2">
+                    <a:schemeClr val="accent1">
+                      <a:shade val="15000"/>
+                    </a:schemeClr>
+                  </a:lnRef>
+                  <a:fillRef idx="1">
+                    <a:schemeClr val="accent1"/>
+                  </a:fillRef>
+                  <a:effectRef idx="0">
+                    <a:schemeClr val="accent1"/>
+                  </a:effectRef>
+                  <a:fontRef idx="minor">
+                    <a:schemeClr val="lt1"/>
+                  </a:fontRef>
+                </p:style>
+                <p:txBody>
+                  <a:bodyPr rtlCol="0" anchor="ctr"/>
+                  <a:lstStyle/>
+                  <a:p>
+                    <a:pPr algn="ctr"/>
+                    <a:endParaRPr lang="en-GB">
+                      <a:solidFill>
+                        <a:sysClr val="windowText" lastClr="000000"/>
+                      </a:solidFill>
+                    </a:endParaRPr>
+                  </a:p>
+                </p:txBody>
+              </p:sp>
+              <p:sp>
+                <p:nvSpPr>
+                  <p:cNvPr id="104" name="Oval 103">
+                    <a:extLst>
+                      <a:ext uri="{FF2B5EF4-FFF2-40B4-BE49-F238E27FC236}">
+                        <a16:creationId xmlns:a16="http://schemas.microsoft.com/office/drawing/2014/main" id="{F78C4A9B-25B2-B64D-FB26-558F066CDEB1}"/>
+                      </a:ext>
+                    </a:extLst>
+                  </p:cNvPr>
+                  <p:cNvSpPr/>
+                  <p:nvPr/>
+                </p:nvSpPr>
+                <p:spPr>
+                  <a:xfrm>
+                    <a:off x="3498790" y="2813403"/>
+                    <a:ext cx="27432" cy="27432"/>
+                  </a:xfrm>
+                  <a:prstGeom prst="ellipse">
+                    <a:avLst/>
+                  </a:prstGeom>
+                  <a:solidFill>
+                    <a:schemeClr val="bg1">
+                      <a:lumMod val="50000"/>
+                    </a:schemeClr>
+                  </a:solidFill>
+                  <a:ln>
+                    <a:solidFill>
+                      <a:schemeClr val="bg1">
+                        <a:lumMod val="50000"/>
+                      </a:schemeClr>
+                    </a:solidFill>
+                  </a:ln>
+                </p:spPr>
+                <p:style>
+                  <a:lnRef idx="2">
+                    <a:schemeClr val="accent1">
+                      <a:shade val="15000"/>
+                    </a:schemeClr>
+                  </a:lnRef>
+                  <a:fillRef idx="1">
+                    <a:schemeClr val="accent1"/>
+                  </a:fillRef>
+                  <a:effectRef idx="0">
+                    <a:schemeClr val="accent1"/>
+                  </a:effectRef>
+                  <a:fontRef idx="minor">
+                    <a:schemeClr val="lt1"/>
+                  </a:fontRef>
+                </p:style>
+                <p:txBody>
+                  <a:bodyPr rtlCol="0" anchor="ctr"/>
+                  <a:lstStyle/>
+                  <a:p>
+                    <a:pPr algn="ctr"/>
+                    <a:endParaRPr lang="en-GB">
+                      <a:solidFill>
+                        <a:sysClr val="windowText" lastClr="000000"/>
+                      </a:solidFill>
+                    </a:endParaRPr>
+                  </a:p>
+                </p:txBody>
+              </p:sp>
+              <p:sp>
+                <p:nvSpPr>
+                  <p:cNvPr id="106" name="Oval 105">
+                    <a:extLst>
+                      <a:ext uri="{FF2B5EF4-FFF2-40B4-BE49-F238E27FC236}">
+                        <a16:creationId xmlns:a16="http://schemas.microsoft.com/office/drawing/2014/main" id="{7A313B10-DFD2-1BB6-3D0A-41A89F7A4A7A}"/>
+                      </a:ext>
+                    </a:extLst>
+                  </p:cNvPr>
+                  <p:cNvSpPr/>
+                  <p:nvPr/>
+                </p:nvSpPr>
+                <p:spPr>
+                  <a:xfrm>
+                    <a:off x="3498790" y="2866415"/>
+                    <a:ext cx="27432" cy="27432"/>
+                  </a:xfrm>
+                  <a:prstGeom prst="ellipse">
+                    <a:avLst/>
+                  </a:prstGeom>
+                  <a:solidFill>
+                    <a:schemeClr val="bg1">
+                      <a:lumMod val="50000"/>
+                    </a:schemeClr>
+                  </a:solidFill>
+                  <a:ln>
+                    <a:solidFill>
+                      <a:schemeClr val="bg1">
+                        <a:lumMod val="50000"/>
+                      </a:schemeClr>
+                    </a:solidFill>
+                  </a:ln>
+                </p:spPr>
+                <p:style>
+                  <a:lnRef idx="2">
+                    <a:schemeClr val="accent1">
+                      <a:shade val="15000"/>
+                    </a:schemeClr>
+                  </a:lnRef>
+                  <a:fillRef idx="1">
+                    <a:schemeClr val="accent1"/>
+                  </a:fillRef>
+                  <a:effectRef idx="0">
+                    <a:schemeClr val="accent1"/>
+                  </a:effectRef>
+                  <a:fontRef idx="minor">
+                    <a:schemeClr val="lt1"/>
+                  </a:fontRef>
+                </p:style>
+                <p:txBody>
+                  <a:bodyPr rtlCol="0" anchor="ctr"/>
+                  <a:lstStyle/>
+                  <a:p>
+                    <a:pPr algn="ctr"/>
+                    <a:endParaRPr lang="en-GB">
+                      <a:solidFill>
+                        <a:sysClr val="windowText" lastClr="000000"/>
+                      </a:solidFill>
+                    </a:endParaRPr>
+                  </a:p>
+                </p:txBody>
+              </p:sp>
+              <p:sp>
+                <p:nvSpPr>
+                  <p:cNvPr id="107" name="Oval 106">
+                    <a:extLst>
+                      <a:ext uri="{FF2B5EF4-FFF2-40B4-BE49-F238E27FC236}">
+                        <a16:creationId xmlns:a16="http://schemas.microsoft.com/office/drawing/2014/main" id="{61309474-34CE-4E56-89CE-B0C7C7576B4F}"/>
+                      </a:ext>
+                    </a:extLst>
+                  </p:cNvPr>
+                  <p:cNvSpPr/>
+                  <p:nvPr/>
+                </p:nvSpPr>
+                <p:spPr>
+                  <a:xfrm>
+                    <a:off x="3498790" y="2918029"/>
+                    <a:ext cx="27432" cy="27432"/>
+                  </a:xfrm>
+                  <a:prstGeom prst="ellipse">
+                    <a:avLst/>
+                  </a:prstGeom>
+                  <a:solidFill>
+                    <a:schemeClr val="bg1">
+                      <a:lumMod val="50000"/>
+                    </a:schemeClr>
+                  </a:solidFill>
+                  <a:ln>
+                    <a:solidFill>
+                      <a:schemeClr val="bg1">
+                        <a:lumMod val="50000"/>
+                      </a:schemeClr>
+                    </a:solidFill>
+                  </a:ln>
+                </p:spPr>
+                <p:style>
+                  <a:lnRef idx="2">
+                    <a:schemeClr val="accent1">
+                      <a:shade val="15000"/>
+                    </a:schemeClr>
+                  </a:lnRef>
+                  <a:fillRef idx="1">
+                    <a:schemeClr val="accent1"/>
+                  </a:fillRef>
+                  <a:effectRef idx="0">
+                    <a:schemeClr val="accent1"/>
+                  </a:effectRef>
+                  <a:fontRef idx="minor">
+                    <a:schemeClr val="lt1"/>
+                  </a:fontRef>
+                </p:style>
+                <p:txBody>
+                  <a:bodyPr rtlCol="0" anchor="ctr"/>
+                  <a:lstStyle/>
+                  <a:p>
+                    <a:pPr algn="ctr"/>
+                    <a:endParaRPr lang="en-GB">
+                      <a:solidFill>
+                        <a:sysClr val="windowText" lastClr="000000"/>
+                      </a:solidFill>
+                    </a:endParaRPr>
+                  </a:p>
+                </p:txBody>
+              </p:sp>
+              <p:sp>
+                <p:nvSpPr>
+                  <p:cNvPr id="110" name="Oval 109">
+                    <a:extLst>
+                      <a:ext uri="{FF2B5EF4-FFF2-40B4-BE49-F238E27FC236}">
+                        <a16:creationId xmlns:a16="http://schemas.microsoft.com/office/drawing/2014/main" id="{32B34F21-AC85-3EFB-EA36-69DA08A6FCA9}"/>
+                      </a:ext>
+                    </a:extLst>
+                  </p:cNvPr>
+                  <p:cNvSpPr/>
+                  <p:nvPr/>
+                </p:nvSpPr>
+                <p:spPr>
+                  <a:xfrm>
+                    <a:off x="3498790" y="2969643"/>
+                    <a:ext cx="27432" cy="27432"/>
+                  </a:xfrm>
+                  <a:prstGeom prst="ellipse">
+                    <a:avLst/>
+                  </a:prstGeom>
+                  <a:solidFill>
+                    <a:schemeClr val="bg1">
+                      <a:lumMod val="50000"/>
+                    </a:schemeClr>
+                  </a:solidFill>
+                  <a:ln>
+                    <a:solidFill>
+                      <a:schemeClr val="bg1">
+                        <a:lumMod val="50000"/>
+                      </a:schemeClr>
+                    </a:solidFill>
+                  </a:ln>
+                </p:spPr>
+                <p:style>
+                  <a:lnRef idx="2">
+                    <a:schemeClr val="accent1">
+                      <a:shade val="15000"/>
+                    </a:schemeClr>
+                  </a:lnRef>
+                  <a:fillRef idx="1">
+                    <a:schemeClr val="accent1"/>
+                  </a:fillRef>
+                  <a:effectRef idx="0">
+                    <a:schemeClr val="accent1"/>
+                  </a:effectRef>
+                  <a:fontRef idx="minor">
+                    <a:schemeClr val="lt1"/>
+                  </a:fontRef>
+                </p:style>
+                <p:txBody>
+                  <a:bodyPr rtlCol="0" anchor="ctr"/>
+                  <a:lstStyle/>
+                  <a:p>
+                    <a:pPr algn="ctr"/>
+                    <a:endParaRPr lang="en-GB">
+                      <a:solidFill>
+                        <a:sysClr val="windowText" lastClr="000000"/>
+                      </a:solidFill>
+                    </a:endParaRPr>
+                  </a:p>
+                </p:txBody>
+              </p:sp>
+            </p:grpSp>
+          </p:grpSp>
+          <p:sp>
+            <p:nvSpPr>
+              <p:cNvPr id="125" name="TextBox 124">
+                <a:extLst>
+                  <a:ext uri="{FF2B5EF4-FFF2-40B4-BE49-F238E27FC236}">
+                    <a16:creationId xmlns:a16="http://schemas.microsoft.com/office/drawing/2014/main" id="{6D31D850-00AE-86BB-F7D6-07EC3747EBDB}"/>
+                  </a:ext>
+                </a:extLst>
+              </p:cNvPr>
+              <p:cNvSpPr txBox="1"/>
+              <p:nvPr/>
+            </p:nvSpPr>
+            <p:spPr>
+              <a:xfrm>
+                <a:off x="3901157" y="2131973"/>
+                <a:ext cx="581683" cy="261610"/>
+              </a:xfrm>
+              <a:prstGeom prst="rect">
+                <a:avLst/>
+              </a:prstGeom>
+              <a:noFill/>
+            </p:spPr>
+            <p:txBody>
+              <a:bodyPr wrap="square" rtlCol="0">
+                <a:spAutoFit/>
+              </a:bodyPr>
+              <a:lstStyle/>
+              <a:p>
+                <a:r>
+                  <a:rPr lang="en-US" sz="1050" b="1" dirty="0">
+                    <a:solidFill>
+                      <a:schemeClr val="bg1"/>
+                    </a:solidFill>
+                  </a:rPr>
+                  <a:t>LoRa</a:t>
+                </a:r>
+                <a:endParaRPr lang="en-GB" sz="1050" b="1" dirty="0">
+                  <a:solidFill>
+                    <a:schemeClr val="bg1"/>
+                  </a:solidFill>
+                </a:endParaRPr>
+              </a:p>
+            </p:txBody>
+          </p:sp>
+          <p:sp>
+            <p:nvSpPr>
+              <p:cNvPr id="128" name="Rectangle 127">
+                <a:extLst>
+                  <a:ext uri="{FF2B5EF4-FFF2-40B4-BE49-F238E27FC236}">
+                    <a16:creationId xmlns:a16="http://schemas.microsoft.com/office/drawing/2014/main" id="{36F9021B-9412-CF35-7281-75E7F754D9EA}"/>
+                  </a:ext>
+                </a:extLst>
+              </p:cNvPr>
+              <p:cNvSpPr/>
+              <p:nvPr/>
+            </p:nvSpPr>
+            <p:spPr>
+              <a:xfrm>
+                <a:off x="4361228" y="2580004"/>
+                <a:ext cx="138546" cy="132032"/>
+              </a:xfrm>
+              <a:prstGeom prst="rect">
+                <a:avLst/>
+              </a:prstGeom>
+              <a:solidFill>
+                <a:srgbClr val="FFC000"/>
+              </a:solidFill>
+              <a:ln>
+                <a:solidFill>
+                  <a:srgbClr val="FFC000"/>
+                </a:solidFill>
+              </a:ln>
+            </p:spPr>
+            <p:style>
+              <a:lnRef idx="2">
+                <a:schemeClr val="accent1">
+                  <a:shade val="15000"/>
+                </a:schemeClr>
+              </a:lnRef>
+              <a:fillRef idx="1">
+                <a:schemeClr val="accent1"/>
+              </a:fillRef>
+              <a:effectRef idx="0">
+                <a:schemeClr val="accent1"/>
+              </a:effectRef>
+              <a:fontRef idx="minor">
+                <a:schemeClr val="lt1"/>
+              </a:fontRef>
+            </p:style>
+            <p:txBody>
+              <a:bodyPr rtlCol="0" anchor="ctr"/>
+              <a:lstStyle/>
+              <a:p>
+                <a:pPr algn="ctr"/>
+                <a:endParaRPr lang="en-GB"/>
+              </a:p>
+            </p:txBody>
+          </p:sp>
+          <p:sp>
+            <p:nvSpPr>
+              <p:cNvPr id="126" name="Diagonal Stripe 125">
+                <a:extLst>
+                  <a:ext uri="{FF2B5EF4-FFF2-40B4-BE49-F238E27FC236}">
+                    <a16:creationId xmlns:a16="http://schemas.microsoft.com/office/drawing/2014/main" id="{FC1505B4-C2BA-719A-F83E-A06923906C9E}"/>
+                  </a:ext>
+                </a:extLst>
+              </p:cNvPr>
+              <p:cNvSpPr>
+                <a:spLocks noChangeAspect="1"/>
+              </p:cNvSpPr>
+              <p:nvPr/>
+            </p:nvSpPr>
+            <p:spPr>
+              <a:xfrm>
+                <a:off x="4506164" y="1906316"/>
+                <a:ext cx="197879" cy="818905"/>
+              </a:xfrm>
+              <a:prstGeom prst="diagStripe">
+                <a:avLst>
+                  <a:gd name="adj" fmla="val 80050"/>
+                </a:avLst>
+              </a:prstGeom>
+              <a:solidFill>
+                <a:schemeClr val="tx1">
+                  <a:lumMod val="85000"/>
+                  <a:lumOff val="15000"/>
+                </a:schemeClr>
+              </a:solidFill>
+              <a:ln>
+                <a:solidFill>
+                  <a:schemeClr val="tx1">
+                    <a:lumMod val="85000"/>
+                    <a:lumOff val="15000"/>
+                  </a:schemeClr>
+                </a:solidFill>
+              </a:ln>
+            </p:spPr>
+            <p:style>
+              <a:lnRef idx="2">
+                <a:schemeClr val="accent1">
+                  <a:shade val="15000"/>
+                </a:schemeClr>
+              </a:lnRef>
+              <a:fillRef idx="1">
+                <a:schemeClr val="accent1"/>
+              </a:fillRef>
+              <a:effectRef idx="0">
+                <a:schemeClr val="accent1"/>
+              </a:effectRef>
+              <a:fontRef idx="minor">
+                <a:schemeClr val="lt1"/>
+              </a:fontRef>
+            </p:style>
+            <p:txBody>
+              <a:bodyPr rtlCol="0" anchor="ctr"/>
+              <a:lstStyle/>
+              <a:p>
+                <a:pPr algn="ctr"/>
+                <a:endParaRPr lang="en-GB">
+                  <a:solidFill>
+                    <a:schemeClr val="tx1"/>
+                  </a:solidFill>
+                </a:endParaRPr>
+              </a:p>
+            </p:txBody>
+          </p:sp>
+        </p:grpSp>
+        <p:grpSp>
+          <p:nvGrpSpPr>
+            <p:cNvPr id="152" name="Group 151">
+              <a:extLst>
+                <a:ext uri="{FF2B5EF4-FFF2-40B4-BE49-F238E27FC236}">
+                  <a16:creationId xmlns:a16="http://schemas.microsoft.com/office/drawing/2014/main" id="{F2F33046-386A-9C7F-58EF-D81EE1B6E4C1}"/>
+                </a:ext>
+              </a:extLst>
+            </p:cNvPr>
+            <p:cNvGrpSpPr/>
+            <p:nvPr/>
+          </p:nvGrpSpPr>
+          <p:grpSpPr>
+            <a:xfrm>
+              <a:off x="3635252" y="1368000"/>
+              <a:ext cx="227784" cy="1345283"/>
+              <a:chOff x="5324939" y="537124"/>
+              <a:chExt cx="227784" cy="1345283"/>
+            </a:xfrm>
+          </p:grpSpPr>
+          <p:sp>
+            <p:nvSpPr>
+              <p:cNvPr id="141" name="Freeform: Shape 140">
+                <a:extLst>
+                  <a:ext uri="{FF2B5EF4-FFF2-40B4-BE49-F238E27FC236}">
+                    <a16:creationId xmlns:a16="http://schemas.microsoft.com/office/drawing/2014/main" id="{577E85C0-6088-85A2-2CFA-F31741285261}"/>
+                  </a:ext>
+                </a:extLst>
+              </p:cNvPr>
+              <p:cNvSpPr/>
+              <p:nvPr/>
+            </p:nvSpPr>
+            <p:spPr>
+              <a:xfrm>
+                <a:off x="5325683" y="980487"/>
+                <a:ext cx="221673" cy="841476"/>
+              </a:xfrm>
+              <a:custGeom>
+                <a:avLst/>
+                <a:gdLst>
+                  <a:gd name="connsiteX0" fmla="*/ 221673 w 221673"/>
+                  <a:gd name="connsiteY0" fmla="*/ 841476 h 841476"/>
+                  <a:gd name="connsiteX1" fmla="*/ 157018 w 221673"/>
+                  <a:gd name="connsiteY1" fmla="*/ 767585 h 841476"/>
+                  <a:gd name="connsiteX2" fmla="*/ 138545 w 221673"/>
+                  <a:gd name="connsiteY2" fmla="*/ 693694 h 841476"/>
+                  <a:gd name="connsiteX3" fmla="*/ 110836 w 221673"/>
+                  <a:gd name="connsiteY3" fmla="*/ 508967 h 841476"/>
+                  <a:gd name="connsiteX4" fmla="*/ 101600 w 221673"/>
+                  <a:gd name="connsiteY4" fmla="*/ 231876 h 841476"/>
+                  <a:gd name="connsiteX5" fmla="*/ 83127 w 221673"/>
+                  <a:gd name="connsiteY5" fmla="*/ 148749 h 841476"/>
+                  <a:gd name="connsiteX6" fmla="*/ 73891 w 221673"/>
+                  <a:gd name="connsiteY6" fmla="*/ 121040 h 841476"/>
+                  <a:gd name="connsiteX7" fmla="*/ 36945 w 221673"/>
+                  <a:gd name="connsiteY7" fmla="*/ 56385 h 841476"/>
+                  <a:gd name="connsiteX8" fmla="*/ 9236 w 221673"/>
+                  <a:gd name="connsiteY8" fmla="*/ 967 h 841476"/>
+                  <a:gd name="connsiteX9" fmla="*/ 0 w 221673"/>
+                  <a:gd name="connsiteY9" fmla="*/ 967 h 841476"/>
+                </a:gdLst>
+                <a:ahLst/>
+                <a:cxnLst>
+                  <a:cxn ang="0">
+                    <a:pos x="connsiteX0" y="connsiteY0"/>
+                  </a:cxn>
+                  <a:cxn ang="0">
+                    <a:pos x="connsiteX1" y="connsiteY1"/>
+                  </a:cxn>
+                  <a:cxn ang="0">
+                    <a:pos x="connsiteX2" y="connsiteY2"/>
+                  </a:cxn>
+                  <a:cxn ang="0">
+                    <a:pos x="connsiteX3" y="connsiteY3"/>
+                  </a:cxn>
+                  <a:cxn ang="0">
+                    <a:pos x="connsiteX4" y="connsiteY4"/>
+                  </a:cxn>
+                  <a:cxn ang="0">
+                    <a:pos x="connsiteX5" y="connsiteY5"/>
+                  </a:cxn>
+                  <a:cxn ang="0">
+                    <a:pos x="connsiteX6" y="connsiteY6"/>
+                  </a:cxn>
+                  <a:cxn ang="0">
+                    <a:pos x="connsiteX7" y="connsiteY7"/>
+                  </a:cxn>
+                  <a:cxn ang="0">
+                    <a:pos x="connsiteX8" y="connsiteY8"/>
+                  </a:cxn>
+                  <a:cxn ang="0">
+                    <a:pos x="connsiteX9" y="connsiteY9"/>
+                  </a:cxn>
+                </a:cxnLst>
+                <a:rect l="l" t="t" r="r" b="b"/>
+                <a:pathLst>
+                  <a:path w="221673" h="841476">
+                    <a:moveTo>
+                      <a:pt x="221673" y="841476"/>
+                    </a:moveTo>
+                    <a:cubicBezTo>
+                      <a:pt x="200121" y="816846"/>
+                      <a:pt x="176268" y="794053"/>
+                      <a:pt x="157018" y="767585"/>
+                    </a:cubicBezTo>
+                    <a:cubicBezTo>
+                      <a:pt x="149269" y="756930"/>
+                      <a:pt x="139289" y="697908"/>
+                      <a:pt x="138545" y="693694"/>
+                    </a:cubicBezTo>
+                    <a:cubicBezTo>
+                      <a:pt x="119217" y="584168"/>
+                      <a:pt x="122582" y="602929"/>
+                      <a:pt x="110836" y="508967"/>
+                    </a:cubicBezTo>
+                    <a:cubicBezTo>
+                      <a:pt x="107757" y="416603"/>
+                      <a:pt x="106872" y="324140"/>
+                      <a:pt x="101600" y="231876"/>
+                    </a:cubicBezTo>
+                    <a:cubicBezTo>
+                      <a:pt x="100919" y="219965"/>
+                      <a:pt x="87241" y="163148"/>
+                      <a:pt x="83127" y="148749"/>
+                    </a:cubicBezTo>
+                    <a:cubicBezTo>
+                      <a:pt x="80452" y="139388"/>
+                      <a:pt x="76252" y="130485"/>
+                      <a:pt x="73891" y="121040"/>
+                    </a:cubicBezTo>
+                    <a:cubicBezTo>
+                      <a:pt x="59053" y="61691"/>
+                      <a:pt x="80137" y="85180"/>
+                      <a:pt x="36945" y="56385"/>
+                    </a:cubicBezTo>
+                    <a:cubicBezTo>
+                      <a:pt x="29433" y="33847"/>
+                      <a:pt x="27142" y="18873"/>
+                      <a:pt x="9236" y="967"/>
+                    </a:cubicBezTo>
+                    <a:cubicBezTo>
+                      <a:pt x="7059" y="-1210"/>
+                      <a:pt x="3079" y="967"/>
+                      <a:pt x="0" y="967"/>
+                    </a:cubicBezTo>
+                  </a:path>
+                </a:pathLst>
+              </a:custGeom>
+              <a:noFill/>
+              <a:ln>
+                <a:solidFill>
+                  <a:srgbClr val="7030A0"/>
+                </a:solidFill>
+              </a:ln>
+            </p:spPr>
+            <p:style>
+              <a:lnRef idx="2">
+                <a:schemeClr val="accent1">
+                  <a:shade val="15000"/>
+                </a:schemeClr>
+              </a:lnRef>
+              <a:fillRef idx="1">
+                <a:schemeClr val="accent1"/>
+              </a:fillRef>
+              <a:effectRef idx="0">
+                <a:schemeClr val="accent1"/>
+              </a:effectRef>
+              <a:fontRef idx="minor">
+                <a:schemeClr val="lt1"/>
+              </a:fontRef>
+            </p:style>
+            <p:txBody>
+              <a:bodyPr rtlCol="0" anchor="ctr"/>
+              <a:lstStyle/>
+              <a:p>
+                <a:pPr algn="ctr"/>
+                <a:endParaRPr lang="en-GB"/>
+              </a:p>
+            </p:txBody>
+          </p:sp>
+          <p:sp>
+            <p:nvSpPr>
+              <p:cNvPr id="143" name="Freeform: Shape 142">
+                <a:extLst>
+                  <a:ext uri="{FF2B5EF4-FFF2-40B4-BE49-F238E27FC236}">
+                    <a16:creationId xmlns:a16="http://schemas.microsoft.com/office/drawing/2014/main" id="{A37717E6-5E2A-3AFE-982C-3C5DEECD2C0A}"/>
+                  </a:ext>
+                </a:extLst>
+              </p:cNvPr>
+              <p:cNvSpPr/>
+              <p:nvPr/>
+            </p:nvSpPr>
+            <p:spPr>
+              <a:xfrm>
+                <a:off x="5330306" y="901982"/>
+                <a:ext cx="221673" cy="841476"/>
+              </a:xfrm>
+              <a:custGeom>
+                <a:avLst/>
+                <a:gdLst>
+                  <a:gd name="connsiteX0" fmla="*/ 221673 w 221673"/>
+                  <a:gd name="connsiteY0" fmla="*/ 841476 h 841476"/>
+                  <a:gd name="connsiteX1" fmla="*/ 157018 w 221673"/>
+                  <a:gd name="connsiteY1" fmla="*/ 767585 h 841476"/>
+                  <a:gd name="connsiteX2" fmla="*/ 138545 w 221673"/>
+                  <a:gd name="connsiteY2" fmla="*/ 693694 h 841476"/>
+                  <a:gd name="connsiteX3" fmla="*/ 110836 w 221673"/>
+                  <a:gd name="connsiteY3" fmla="*/ 508967 h 841476"/>
+                  <a:gd name="connsiteX4" fmla="*/ 101600 w 221673"/>
+                  <a:gd name="connsiteY4" fmla="*/ 231876 h 841476"/>
+                  <a:gd name="connsiteX5" fmla="*/ 83127 w 221673"/>
+                  <a:gd name="connsiteY5" fmla="*/ 148749 h 841476"/>
+                  <a:gd name="connsiteX6" fmla="*/ 73891 w 221673"/>
+                  <a:gd name="connsiteY6" fmla="*/ 121040 h 841476"/>
+                  <a:gd name="connsiteX7" fmla="*/ 36945 w 221673"/>
+                  <a:gd name="connsiteY7" fmla="*/ 56385 h 841476"/>
+                  <a:gd name="connsiteX8" fmla="*/ 9236 w 221673"/>
+                  <a:gd name="connsiteY8" fmla="*/ 967 h 841476"/>
+                  <a:gd name="connsiteX9" fmla="*/ 0 w 221673"/>
+                  <a:gd name="connsiteY9" fmla="*/ 967 h 841476"/>
+                </a:gdLst>
+                <a:ahLst/>
+                <a:cxnLst>
+                  <a:cxn ang="0">
+                    <a:pos x="connsiteX0" y="connsiteY0"/>
+                  </a:cxn>
+                  <a:cxn ang="0">
+                    <a:pos x="connsiteX1" y="connsiteY1"/>
+                  </a:cxn>
+                  <a:cxn ang="0">
+                    <a:pos x="connsiteX2" y="connsiteY2"/>
+                  </a:cxn>
+                  <a:cxn ang="0">
+                    <a:pos x="connsiteX3" y="connsiteY3"/>
+                  </a:cxn>
+                  <a:cxn ang="0">
+                    <a:pos x="connsiteX4" y="connsiteY4"/>
+                  </a:cxn>
+                  <a:cxn ang="0">
+                    <a:pos x="connsiteX5" y="connsiteY5"/>
+                  </a:cxn>
+                  <a:cxn ang="0">
+                    <a:pos x="connsiteX6" y="connsiteY6"/>
+                  </a:cxn>
+                  <a:cxn ang="0">
+                    <a:pos x="connsiteX7" y="connsiteY7"/>
+                  </a:cxn>
+                  <a:cxn ang="0">
+                    <a:pos x="connsiteX8" y="connsiteY8"/>
+                  </a:cxn>
+                  <a:cxn ang="0">
+                    <a:pos x="connsiteX9" y="connsiteY9"/>
+                  </a:cxn>
+                </a:cxnLst>
+                <a:rect l="l" t="t" r="r" b="b"/>
+                <a:pathLst>
+                  <a:path w="221673" h="841476">
+                    <a:moveTo>
+                      <a:pt x="221673" y="841476"/>
+                    </a:moveTo>
+                    <a:cubicBezTo>
+                      <a:pt x="200121" y="816846"/>
+                      <a:pt x="176268" y="794053"/>
+                      <a:pt x="157018" y="767585"/>
+                    </a:cubicBezTo>
+                    <a:cubicBezTo>
+                      <a:pt x="149269" y="756930"/>
+                      <a:pt x="139289" y="697908"/>
+                      <a:pt x="138545" y="693694"/>
+                    </a:cubicBezTo>
+                    <a:cubicBezTo>
+                      <a:pt x="119217" y="584168"/>
+                      <a:pt x="122582" y="602929"/>
+                      <a:pt x="110836" y="508967"/>
+                    </a:cubicBezTo>
+                    <a:cubicBezTo>
+                      <a:pt x="107757" y="416603"/>
+                      <a:pt x="106872" y="324140"/>
+                      <a:pt x="101600" y="231876"/>
+                    </a:cubicBezTo>
+                    <a:cubicBezTo>
+                      <a:pt x="100919" y="219965"/>
+                      <a:pt x="87241" y="163148"/>
+                      <a:pt x="83127" y="148749"/>
+                    </a:cubicBezTo>
+                    <a:cubicBezTo>
+                      <a:pt x="80452" y="139388"/>
+                      <a:pt x="76252" y="130485"/>
+                      <a:pt x="73891" y="121040"/>
+                    </a:cubicBezTo>
+                    <a:cubicBezTo>
+                      <a:pt x="59053" y="61691"/>
+                      <a:pt x="80137" y="85180"/>
+                      <a:pt x="36945" y="56385"/>
+                    </a:cubicBezTo>
+                    <a:cubicBezTo>
+                      <a:pt x="29433" y="33847"/>
+                      <a:pt x="27142" y="18873"/>
+                      <a:pt x="9236" y="967"/>
+                    </a:cubicBezTo>
+                    <a:cubicBezTo>
+                      <a:pt x="7059" y="-1210"/>
+                      <a:pt x="3079" y="967"/>
+                      <a:pt x="0" y="967"/>
+                    </a:cubicBezTo>
+                  </a:path>
+                </a:pathLst>
+              </a:custGeom>
+              <a:noFill/>
+              <a:ln>
+                <a:solidFill>
+                  <a:srgbClr val="00B050"/>
+                </a:solidFill>
+              </a:ln>
+            </p:spPr>
+            <p:style>
+              <a:lnRef idx="2">
+                <a:schemeClr val="accent1">
+                  <a:shade val="15000"/>
+                </a:schemeClr>
+              </a:lnRef>
+              <a:fillRef idx="1">
+                <a:schemeClr val="accent1"/>
+              </a:fillRef>
+              <a:effectRef idx="0">
+                <a:schemeClr val="accent1"/>
+              </a:effectRef>
+              <a:fontRef idx="minor">
+                <a:schemeClr val="lt1"/>
+              </a:fontRef>
+            </p:style>
+            <p:txBody>
+              <a:bodyPr rtlCol="0" anchor="ctr"/>
+              <a:lstStyle/>
+              <a:p>
+                <a:pPr algn="ctr"/>
+                <a:endParaRPr lang="en-GB"/>
+              </a:p>
+            </p:txBody>
+          </p:sp>
+          <p:sp>
+            <p:nvSpPr>
+              <p:cNvPr id="144" name="Freeform: Shape 143">
+                <a:extLst>
+                  <a:ext uri="{FF2B5EF4-FFF2-40B4-BE49-F238E27FC236}">
+                    <a16:creationId xmlns:a16="http://schemas.microsoft.com/office/drawing/2014/main" id="{48EE631C-9E3B-035F-8C30-929A6DE7B238}"/>
+                  </a:ext>
+                </a:extLst>
+              </p:cNvPr>
+              <p:cNvSpPr/>
+              <p:nvPr/>
+            </p:nvSpPr>
+            <p:spPr>
+              <a:xfrm>
+                <a:off x="5331050" y="827703"/>
+                <a:ext cx="221673" cy="841476"/>
+              </a:xfrm>
+              <a:custGeom>
+                <a:avLst/>
+                <a:gdLst>
+                  <a:gd name="connsiteX0" fmla="*/ 221673 w 221673"/>
+                  <a:gd name="connsiteY0" fmla="*/ 841476 h 841476"/>
+                  <a:gd name="connsiteX1" fmla="*/ 157018 w 221673"/>
+                  <a:gd name="connsiteY1" fmla="*/ 767585 h 841476"/>
+                  <a:gd name="connsiteX2" fmla="*/ 138545 w 221673"/>
+                  <a:gd name="connsiteY2" fmla="*/ 693694 h 841476"/>
+                  <a:gd name="connsiteX3" fmla="*/ 110836 w 221673"/>
+                  <a:gd name="connsiteY3" fmla="*/ 508967 h 841476"/>
+                  <a:gd name="connsiteX4" fmla="*/ 101600 w 221673"/>
+                  <a:gd name="connsiteY4" fmla="*/ 231876 h 841476"/>
+                  <a:gd name="connsiteX5" fmla="*/ 83127 w 221673"/>
+                  <a:gd name="connsiteY5" fmla="*/ 148749 h 841476"/>
+                  <a:gd name="connsiteX6" fmla="*/ 73891 w 221673"/>
+                  <a:gd name="connsiteY6" fmla="*/ 121040 h 841476"/>
+                  <a:gd name="connsiteX7" fmla="*/ 36945 w 221673"/>
+                  <a:gd name="connsiteY7" fmla="*/ 56385 h 841476"/>
+                  <a:gd name="connsiteX8" fmla="*/ 9236 w 221673"/>
+                  <a:gd name="connsiteY8" fmla="*/ 967 h 841476"/>
+                  <a:gd name="connsiteX9" fmla="*/ 0 w 221673"/>
+                  <a:gd name="connsiteY9" fmla="*/ 967 h 841476"/>
+                </a:gdLst>
+                <a:ahLst/>
+                <a:cxnLst>
+                  <a:cxn ang="0">
+                    <a:pos x="connsiteX0" y="connsiteY0"/>
+                  </a:cxn>
+                  <a:cxn ang="0">
+                    <a:pos x="connsiteX1" y="connsiteY1"/>
+                  </a:cxn>
+                  <a:cxn ang="0">
+                    <a:pos x="connsiteX2" y="connsiteY2"/>
+                  </a:cxn>
+                  <a:cxn ang="0">
+                    <a:pos x="connsiteX3" y="connsiteY3"/>
+                  </a:cxn>
+                  <a:cxn ang="0">
+                    <a:pos x="connsiteX4" y="connsiteY4"/>
+                  </a:cxn>
+                  <a:cxn ang="0">
+                    <a:pos x="connsiteX5" y="connsiteY5"/>
+                  </a:cxn>
+                  <a:cxn ang="0">
+                    <a:pos x="connsiteX6" y="connsiteY6"/>
+                  </a:cxn>
+                  <a:cxn ang="0">
+                    <a:pos x="connsiteX7" y="connsiteY7"/>
+                  </a:cxn>
+                  <a:cxn ang="0">
+                    <a:pos x="connsiteX8" y="connsiteY8"/>
+                  </a:cxn>
+                  <a:cxn ang="0">
+                    <a:pos x="connsiteX9" y="connsiteY9"/>
+                  </a:cxn>
+                </a:cxnLst>
+                <a:rect l="l" t="t" r="r" b="b"/>
+                <a:pathLst>
+                  <a:path w="221673" h="841476">
+                    <a:moveTo>
+                      <a:pt x="221673" y="841476"/>
+                    </a:moveTo>
+                    <a:cubicBezTo>
+                      <a:pt x="200121" y="816846"/>
+                      <a:pt x="176268" y="794053"/>
+                      <a:pt x="157018" y="767585"/>
+                    </a:cubicBezTo>
+                    <a:cubicBezTo>
+                      <a:pt x="149269" y="756930"/>
+                      <a:pt x="139289" y="697908"/>
+                      <a:pt x="138545" y="693694"/>
+                    </a:cubicBezTo>
+                    <a:cubicBezTo>
+                      <a:pt x="119217" y="584168"/>
+                      <a:pt x="122582" y="602929"/>
+                      <a:pt x="110836" y="508967"/>
+                    </a:cubicBezTo>
+                    <a:cubicBezTo>
+                      <a:pt x="107757" y="416603"/>
+                      <a:pt x="106872" y="324140"/>
+                      <a:pt x="101600" y="231876"/>
+                    </a:cubicBezTo>
+                    <a:cubicBezTo>
+                      <a:pt x="100919" y="219965"/>
+                      <a:pt x="87241" y="163148"/>
+                      <a:pt x="83127" y="148749"/>
+                    </a:cubicBezTo>
+                    <a:cubicBezTo>
+                      <a:pt x="80452" y="139388"/>
+                      <a:pt x="76252" y="130485"/>
+                      <a:pt x="73891" y="121040"/>
+                    </a:cubicBezTo>
+                    <a:cubicBezTo>
+                      <a:pt x="59053" y="61691"/>
+                      <a:pt x="80137" y="85180"/>
+                      <a:pt x="36945" y="56385"/>
+                    </a:cubicBezTo>
+                    <a:cubicBezTo>
+                      <a:pt x="29433" y="33847"/>
+                      <a:pt x="27142" y="18873"/>
+                      <a:pt x="9236" y="967"/>
+                    </a:cubicBezTo>
+                    <a:cubicBezTo>
+                      <a:pt x="7059" y="-1210"/>
+                      <a:pt x="3079" y="967"/>
+                      <a:pt x="0" y="967"/>
+                    </a:cubicBezTo>
+                  </a:path>
+                </a:pathLst>
+              </a:custGeom>
+              <a:noFill/>
+              <a:ln>
+                <a:solidFill>
+                  <a:srgbClr val="FFC000"/>
+                </a:solidFill>
+              </a:ln>
+            </p:spPr>
+            <p:style>
+              <a:lnRef idx="2">
+                <a:schemeClr val="accent1">
+                  <a:shade val="15000"/>
+                </a:schemeClr>
+              </a:lnRef>
+              <a:fillRef idx="1">
+                <a:schemeClr val="accent1"/>
+              </a:fillRef>
+              <a:effectRef idx="0">
+                <a:schemeClr val="accent1"/>
+              </a:effectRef>
+              <a:fontRef idx="minor">
+                <a:schemeClr val="lt1"/>
+              </a:fontRef>
+            </p:style>
+            <p:txBody>
+              <a:bodyPr rtlCol="0" anchor="ctr"/>
+              <a:lstStyle/>
+              <a:p>
+                <a:pPr algn="ctr"/>
+                <a:endParaRPr lang="en-GB"/>
+              </a:p>
+            </p:txBody>
+          </p:sp>
+          <p:sp>
+            <p:nvSpPr>
+              <p:cNvPr id="145" name="Freeform: Shape 144">
+                <a:extLst>
+                  <a:ext uri="{FF2B5EF4-FFF2-40B4-BE49-F238E27FC236}">
+                    <a16:creationId xmlns:a16="http://schemas.microsoft.com/office/drawing/2014/main" id="{6171B1B2-ADBF-708E-C193-9F5E63405747}"/>
+                  </a:ext>
+                </a:extLst>
+              </p:cNvPr>
+              <p:cNvSpPr/>
+              <p:nvPr/>
+            </p:nvSpPr>
+            <p:spPr>
+              <a:xfrm>
+                <a:off x="5326437" y="758434"/>
+                <a:ext cx="221673" cy="841476"/>
+              </a:xfrm>
+              <a:custGeom>
+                <a:avLst/>
+                <a:gdLst>
+                  <a:gd name="connsiteX0" fmla="*/ 221673 w 221673"/>
+                  <a:gd name="connsiteY0" fmla="*/ 841476 h 841476"/>
+                  <a:gd name="connsiteX1" fmla="*/ 157018 w 221673"/>
+                  <a:gd name="connsiteY1" fmla="*/ 767585 h 841476"/>
+                  <a:gd name="connsiteX2" fmla="*/ 138545 w 221673"/>
+                  <a:gd name="connsiteY2" fmla="*/ 693694 h 841476"/>
+                  <a:gd name="connsiteX3" fmla="*/ 110836 w 221673"/>
+                  <a:gd name="connsiteY3" fmla="*/ 508967 h 841476"/>
+                  <a:gd name="connsiteX4" fmla="*/ 101600 w 221673"/>
+                  <a:gd name="connsiteY4" fmla="*/ 231876 h 841476"/>
+                  <a:gd name="connsiteX5" fmla="*/ 83127 w 221673"/>
+                  <a:gd name="connsiteY5" fmla="*/ 148749 h 841476"/>
+                  <a:gd name="connsiteX6" fmla="*/ 73891 w 221673"/>
+                  <a:gd name="connsiteY6" fmla="*/ 121040 h 841476"/>
+                  <a:gd name="connsiteX7" fmla="*/ 36945 w 221673"/>
+                  <a:gd name="connsiteY7" fmla="*/ 56385 h 841476"/>
+                  <a:gd name="connsiteX8" fmla="*/ 9236 w 221673"/>
+                  <a:gd name="connsiteY8" fmla="*/ 967 h 841476"/>
+                  <a:gd name="connsiteX9" fmla="*/ 0 w 221673"/>
+                  <a:gd name="connsiteY9" fmla="*/ 967 h 841476"/>
+                </a:gdLst>
+                <a:ahLst/>
+                <a:cxnLst>
+                  <a:cxn ang="0">
+                    <a:pos x="connsiteX0" y="connsiteY0"/>
+                  </a:cxn>
+                  <a:cxn ang="0">
+                    <a:pos x="connsiteX1" y="connsiteY1"/>
+                  </a:cxn>
+                  <a:cxn ang="0">
+                    <a:pos x="connsiteX2" y="connsiteY2"/>
+                  </a:cxn>
+                  <a:cxn ang="0">
+                    <a:pos x="connsiteX3" y="connsiteY3"/>
+                  </a:cxn>
+                  <a:cxn ang="0">
+                    <a:pos x="connsiteX4" y="connsiteY4"/>
+                  </a:cxn>
+                  <a:cxn ang="0">
+                    <a:pos x="connsiteX5" y="connsiteY5"/>
+                  </a:cxn>
+                  <a:cxn ang="0">
+                    <a:pos x="connsiteX6" y="connsiteY6"/>
+                  </a:cxn>
+                  <a:cxn ang="0">
+                    <a:pos x="connsiteX7" y="connsiteY7"/>
+                  </a:cxn>
+                  <a:cxn ang="0">
+                    <a:pos x="connsiteX8" y="connsiteY8"/>
+                  </a:cxn>
+                  <a:cxn ang="0">
+                    <a:pos x="connsiteX9" y="connsiteY9"/>
+                  </a:cxn>
+                </a:cxnLst>
+                <a:rect l="l" t="t" r="r" b="b"/>
+                <a:pathLst>
+                  <a:path w="221673" h="841476">
+                    <a:moveTo>
+                      <a:pt x="221673" y="841476"/>
+                    </a:moveTo>
+                    <a:cubicBezTo>
+                      <a:pt x="200121" y="816846"/>
+                      <a:pt x="176268" y="794053"/>
+                      <a:pt x="157018" y="767585"/>
+                    </a:cubicBezTo>
+                    <a:cubicBezTo>
+                      <a:pt x="149269" y="756930"/>
+                      <a:pt x="139289" y="697908"/>
+                      <a:pt x="138545" y="693694"/>
+                    </a:cubicBezTo>
+                    <a:cubicBezTo>
+                      <a:pt x="119217" y="584168"/>
+                      <a:pt x="122582" y="602929"/>
+                      <a:pt x="110836" y="508967"/>
+                    </a:cubicBezTo>
+                    <a:cubicBezTo>
+                      <a:pt x="107757" y="416603"/>
+                      <a:pt x="106872" y="324140"/>
+                      <a:pt x="101600" y="231876"/>
+                    </a:cubicBezTo>
+                    <a:cubicBezTo>
+                      <a:pt x="100919" y="219965"/>
+                      <a:pt x="87241" y="163148"/>
+                      <a:pt x="83127" y="148749"/>
+                    </a:cubicBezTo>
+                    <a:cubicBezTo>
+                      <a:pt x="80452" y="139388"/>
+                      <a:pt x="76252" y="130485"/>
+                      <a:pt x="73891" y="121040"/>
+                    </a:cubicBezTo>
+                    <a:cubicBezTo>
+                      <a:pt x="59053" y="61691"/>
+                      <a:pt x="80137" y="85180"/>
+                      <a:pt x="36945" y="56385"/>
+                    </a:cubicBezTo>
+                    <a:cubicBezTo>
+                      <a:pt x="29433" y="33847"/>
+                      <a:pt x="27142" y="18873"/>
+                      <a:pt x="9236" y="967"/>
+                    </a:cubicBezTo>
+                    <a:cubicBezTo>
+                      <a:pt x="7059" y="-1210"/>
+                      <a:pt x="3079" y="967"/>
+                      <a:pt x="0" y="967"/>
+                    </a:cubicBezTo>
+                  </a:path>
+                </a:pathLst>
+              </a:custGeom>
+              <a:noFill/>
+              <a:ln>
+                <a:solidFill>
+                  <a:srgbClr val="FFFF00"/>
+                </a:solidFill>
+              </a:ln>
+            </p:spPr>
+            <p:style>
+              <a:lnRef idx="2">
+                <a:schemeClr val="accent1">
+                  <a:shade val="15000"/>
+                </a:schemeClr>
+              </a:lnRef>
+              <a:fillRef idx="1">
+                <a:schemeClr val="accent1"/>
+              </a:fillRef>
+              <a:effectRef idx="0">
+                <a:schemeClr val="accent1"/>
+              </a:effectRef>
+              <a:fontRef idx="minor">
+                <a:schemeClr val="lt1"/>
+              </a:fontRef>
+            </p:style>
+            <p:txBody>
+              <a:bodyPr rtlCol="0" anchor="ctr"/>
+              <a:lstStyle/>
+              <a:p>
+                <a:pPr algn="ctr"/>
+                <a:endParaRPr lang="en-GB"/>
+              </a:p>
+            </p:txBody>
+          </p:sp>
+          <p:sp>
+            <p:nvSpPr>
+              <p:cNvPr id="146" name="Freeform: Shape 145">
+                <a:extLst>
+                  <a:ext uri="{FF2B5EF4-FFF2-40B4-BE49-F238E27FC236}">
+                    <a16:creationId xmlns:a16="http://schemas.microsoft.com/office/drawing/2014/main" id="{0306F67A-B4FA-C092-9C8B-CB679FFF6AD8}"/>
+                  </a:ext>
+                </a:extLst>
+              </p:cNvPr>
+              <p:cNvSpPr/>
+              <p:nvPr/>
+            </p:nvSpPr>
+            <p:spPr>
+              <a:xfrm>
+                <a:off x="5324939" y="680672"/>
+                <a:ext cx="221673" cy="841476"/>
+              </a:xfrm>
+              <a:custGeom>
+                <a:avLst/>
+                <a:gdLst>
+                  <a:gd name="connsiteX0" fmla="*/ 221673 w 221673"/>
+                  <a:gd name="connsiteY0" fmla="*/ 841476 h 841476"/>
+                  <a:gd name="connsiteX1" fmla="*/ 157018 w 221673"/>
+                  <a:gd name="connsiteY1" fmla="*/ 767585 h 841476"/>
+                  <a:gd name="connsiteX2" fmla="*/ 138545 w 221673"/>
+                  <a:gd name="connsiteY2" fmla="*/ 693694 h 841476"/>
+                  <a:gd name="connsiteX3" fmla="*/ 110836 w 221673"/>
+                  <a:gd name="connsiteY3" fmla="*/ 508967 h 841476"/>
+                  <a:gd name="connsiteX4" fmla="*/ 101600 w 221673"/>
+                  <a:gd name="connsiteY4" fmla="*/ 231876 h 841476"/>
+                  <a:gd name="connsiteX5" fmla="*/ 83127 w 221673"/>
+                  <a:gd name="connsiteY5" fmla="*/ 148749 h 841476"/>
+                  <a:gd name="connsiteX6" fmla="*/ 73891 w 221673"/>
+                  <a:gd name="connsiteY6" fmla="*/ 121040 h 841476"/>
+                  <a:gd name="connsiteX7" fmla="*/ 36945 w 221673"/>
+                  <a:gd name="connsiteY7" fmla="*/ 56385 h 841476"/>
+                  <a:gd name="connsiteX8" fmla="*/ 9236 w 221673"/>
+                  <a:gd name="connsiteY8" fmla="*/ 967 h 841476"/>
+                  <a:gd name="connsiteX9" fmla="*/ 0 w 221673"/>
+                  <a:gd name="connsiteY9" fmla="*/ 967 h 841476"/>
+                </a:gdLst>
+                <a:ahLst/>
+                <a:cxnLst>
+                  <a:cxn ang="0">
+                    <a:pos x="connsiteX0" y="connsiteY0"/>
+                  </a:cxn>
+                  <a:cxn ang="0">
+                    <a:pos x="connsiteX1" y="connsiteY1"/>
+                  </a:cxn>
+                  <a:cxn ang="0">
+                    <a:pos x="connsiteX2" y="connsiteY2"/>
+                  </a:cxn>
+                  <a:cxn ang="0">
+                    <a:pos x="connsiteX3" y="connsiteY3"/>
+                  </a:cxn>
+                  <a:cxn ang="0">
+                    <a:pos x="connsiteX4" y="connsiteY4"/>
+                  </a:cxn>
+                  <a:cxn ang="0">
+                    <a:pos x="connsiteX5" y="connsiteY5"/>
+                  </a:cxn>
+                  <a:cxn ang="0">
+                    <a:pos x="connsiteX6" y="connsiteY6"/>
+                  </a:cxn>
+                  <a:cxn ang="0">
+                    <a:pos x="connsiteX7" y="connsiteY7"/>
+                  </a:cxn>
+                  <a:cxn ang="0">
+                    <a:pos x="connsiteX8" y="connsiteY8"/>
+                  </a:cxn>
+                  <a:cxn ang="0">
+                    <a:pos x="connsiteX9" y="connsiteY9"/>
+                  </a:cxn>
+                </a:cxnLst>
+                <a:rect l="l" t="t" r="r" b="b"/>
+                <a:pathLst>
+                  <a:path w="221673" h="841476">
+                    <a:moveTo>
+                      <a:pt x="221673" y="841476"/>
+                    </a:moveTo>
+                    <a:cubicBezTo>
+                      <a:pt x="200121" y="816846"/>
+                      <a:pt x="176268" y="794053"/>
+                      <a:pt x="157018" y="767585"/>
+                    </a:cubicBezTo>
+                    <a:cubicBezTo>
+                      <a:pt x="149269" y="756930"/>
+                      <a:pt x="139289" y="697908"/>
+                      <a:pt x="138545" y="693694"/>
+                    </a:cubicBezTo>
+                    <a:cubicBezTo>
+                      <a:pt x="119217" y="584168"/>
+                      <a:pt x="122582" y="602929"/>
+                      <a:pt x="110836" y="508967"/>
+                    </a:cubicBezTo>
+                    <a:cubicBezTo>
+                      <a:pt x="107757" y="416603"/>
+                      <a:pt x="106872" y="324140"/>
+                      <a:pt x="101600" y="231876"/>
+                    </a:cubicBezTo>
+                    <a:cubicBezTo>
+                      <a:pt x="100919" y="219965"/>
+                      <a:pt x="87241" y="163148"/>
+                      <a:pt x="83127" y="148749"/>
+                    </a:cubicBezTo>
+                    <a:cubicBezTo>
+                      <a:pt x="80452" y="139388"/>
+                      <a:pt x="76252" y="130485"/>
+                      <a:pt x="73891" y="121040"/>
+                    </a:cubicBezTo>
+                    <a:cubicBezTo>
+                      <a:pt x="59053" y="61691"/>
+                      <a:pt x="80137" y="85180"/>
+                      <a:pt x="36945" y="56385"/>
+                    </a:cubicBezTo>
+                    <a:cubicBezTo>
+                      <a:pt x="29433" y="33847"/>
+                      <a:pt x="27142" y="18873"/>
+                      <a:pt x="9236" y="967"/>
+                    </a:cubicBezTo>
+                    <a:cubicBezTo>
+                      <a:pt x="7059" y="-1210"/>
+                      <a:pt x="3079" y="967"/>
+                      <a:pt x="0" y="967"/>
+                    </a:cubicBezTo>
+                  </a:path>
+                </a:pathLst>
+              </a:custGeom>
+              <a:noFill/>
+              <a:ln>
+                <a:solidFill>
+                  <a:schemeClr val="tx2">
+                    <a:lumMod val="90000"/>
+                    <a:lumOff val="10000"/>
+                  </a:schemeClr>
+                </a:solidFill>
+              </a:ln>
+            </p:spPr>
+            <p:style>
+              <a:lnRef idx="2">
+                <a:schemeClr val="accent1">
+                  <a:shade val="15000"/>
+                </a:schemeClr>
+              </a:lnRef>
+              <a:fillRef idx="1">
+                <a:schemeClr val="accent1"/>
+              </a:fillRef>
+              <a:effectRef idx="0">
+                <a:schemeClr val="accent1"/>
+              </a:effectRef>
+              <a:fontRef idx="minor">
+                <a:schemeClr val="lt1"/>
+              </a:fontRef>
+            </p:style>
+            <p:txBody>
+              <a:bodyPr rtlCol="0" anchor="ctr"/>
+              <a:lstStyle/>
+              <a:p>
+                <a:pPr algn="ctr"/>
+                <a:endParaRPr lang="en-GB"/>
+              </a:p>
+            </p:txBody>
+          </p:sp>
+          <p:sp>
+            <p:nvSpPr>
+              <p:cNvPr id="147" name="Freeform: Shape 146">
+                <a:extLst>
+                  <a:ext uri="{FF2B5EF4-FFF2-40B4-BE49-F238E27FC236}">
+                    <a16:creationId xmlns:a16="http://schemas.microsoft.com/office/drawing/2014/main" id="{5F85A1AC-5833-44D9-7CA2-A2B58D7295CD}"/>
+                  </a:ext>
+                </a:extLst>
+              </p:cNvPr>
+              <p:cNvSpPr/>
+              <p:nvPr/>
+            </p:nvSpPr>
+            <p:spPr>
+              <a:xfrm>
+                <a:off x="5325683" y="606393"/>
+                <a:ext cx="221673" cy="841476"/>
+              </a:xfrm>
+              <a:custGeom>
+                <a:avLst/>
+                <a:gdLst>
+                  <a:gd name="connsiteX0" fmla="*/ 221673 w 221673"/>
+                  <a:gd name="connsiteY0" fmla="*/ 841476 h 841476"/>
+                  <a:gd name="connsiteX1" fmla="*/ 157018 w 221673"/>
+                  <a:gd name="connsiteY1" fmla="*/ 767585 h 841476"/>
+                  <a:gd name="connsiteX2" fmla="*/ 138545 w 221673"/>
+                  <a:gd name="connsiteY2" fmla="*/ 693694 h 841476"/>
+                  <a:gd name="connsiteX3" fmla="*/ 110836 w 221673"/>
+                  <a:gd name="connsiteY3" fmla="*/ 508967 h 841476"/>
+                  <a:gd name="connsiteX4" fmla="*/ 101600 w 221673"/>
+                  <a:gd name="connsiteY4" fmla="*/ 231876 h 841476"/>
+                  <a:gd name="connsiteX5" fmla="*/ 83127 w 221673"/>
+                  <a:gd name="connsiteY5" fmla="*/ 148749 h 841476"/>
+                  <a:gd name="connsiteX6" fmla="*/ 73891 w 221673"/>
+                  <a:gd name="connsiteY6" fmla="*/ 121040 h 841476"/>
+                  <a:gd name="connsiteX7" fmla="*/ 36945 w 221673"/>
+                  <a:gd name="connsiteY7" fmla="*/ 56385 h 841476"/>
+                  <a:gd name="connsiteX8" fmla="*/ 9236 w 221673"/>
+                  <a:gd name="connsiteY8" fmla="*/ 967 h 841476"/>
+                  <a:gd name="connsiteX9" fmla="*/ 0 w 221673"/>
+                  <a:gd name="connsiteY9" fmla="*/ 967 h 841476"/>
+                </a:gdLst>
+                <a:ahLst/>
+                <a:cxnLst>
+                  <a:cxn ang="0">
+                    <a:pos x="connsiteX0" y="connsiteY0"/>
+                  </a:cxn>
+                  <a:cxn ang="0">
+                    <a:pos x="connsiteX1" y="connsiteY1"/>
+                  </a:cxn>
+                  <a:cxn ang="0">
+                    <a:pos x="connsiteX2" y="connsiteY2"/>
+                  </a:cxn>
+                  <a:cxn ang="0">
+                    <a:pos x="connsiteX3" y="connsiteY3"/>
+                  </a:cxn>
+                  <a:cxn ang="0">
+                    <a:pos x="connsiteX4" y="connsiteY4"/>
+                  </a:cxn>
+                  <a:cxn ang="0">
+                    <a:pos x="connsiteX5" y="connsiteY5"/>
+                  </a:cxn>
+                  <a:cxn ang="0">
+                    <a:pos x="connsiteX6" y="connsiteY6"/>
+                  </a:cxn>
+                  <a:cxn ang="0">
+                    <a:pos x="connsiteX7" y="connsiteY7"/>
+                  </a:cxn>
+                  <a:cxn ang="0">
+                    <a:pos x="connsiteX8" y="connsiteY8"/>
+                  </a:cxn>
+                  <a:cxn ang="0">
+                    <a:pos x="connsiteX9" y="connsiteY9"/>
+                  </a:cxn>
+                </a:cxnLst>
+                <a:rect l="l" t="t" r="r" b="b"/>
+                <a:pathLst>
+                  <a:path w="221673" h="841476">
+                    <a:moveTo>
+                      <a:pt x="221673" y="841476"/>
+                    </a:moveTo>
+                    <a:cubicBezTo>
+                      <a:pt x="200121" y="816846"/>
+                      <a:pt x="176268" y="794053"/>
+                      <a:pt x="157018" y="767585"/>
+                    </a:cubicBezTo>
+                    <a:cubicBezTo>
+                      <a:pt x="149269" y="756930"/>
+                      <a:pt x="139289" y="697908"/>
+                      <a:pt x="138545" y="693694"/>
+                    </a:cubicBezTo>
+                    <a:cubicBezTo>
+                      <a:pt x="119217" y="584168"/>
+                      <a:pt x="122582" y="602929"/>
+                      <a:pt x="110836" y="508967"/>
+                    </a:cubicBezTo>
+                    <a:cubicBezTo>
+                      <a:pt x="107757" y="416603"/>
+                      <a:pt x="106872" y="324140"/>
+                      <a:pt x="101600" y="231876"/>
+                    </a:cubicBezTo>
+                    <a:cubicBezTo>
+                      <a:pt x="100919" y="219965"/>
+                      <a:pt x="87241" y="163148"/>
+                      <a:pt x="83127" y="148749"/>
+                    </a:cubicBezTo>
+                    <a:cubicBezTo>
+                      <a:pt x="80452" y="139388"/>
+                      <a:pt x="76252" y="130485"/>
+                      <a:pt x="73891" y="121040"/>
+                    </a:cubicBezTo>
+                    <a:cubicBezTo>
+                      <a:pt x="59053" y="61691"/>
+                      <a:pt x="80137" y="85180"/>
+                      <a:pt x="36945" y="56385"/>
+                    </a:cubicBezTo>
+                    <a:cubicBezTo>
+                      <a:pt x="29433" y="33847"/>
+                      <a:pt x="27142" y="18873"/>
+                      <a:pt x="9236" y="967"/>
+                    </a:cubicBezTo>
+                    <a:cubicBezTo>
+                      <a:pt x="7059" y="-1210"/>
+                      <a:pt x="3079" y="967"/>
+                      <a:pt x="0" y="967"/>
+                    </a:cubicBezTo>
+                  </a:path>
+                </a:pathLst>
+              </a:custGeom>
+              <a:noFill/>
+            </p:spPr>
+            <p:style>
+              <a:lnRef idx="2">
+                <a:schemeClr val="accent1">
+                  <a:shade val="15000"/>
+                </a:schemeClr>
+              </a:lnRef>
+              <a:fillRef idx="1">
+                <a:schemeClr val="accent1"/>
+              </a:fillRef>
+              <a:effectRef idx="0">
+                <a:schemeClr val="accent1"/>
+              </a:effectRef>
+              <a:fontRef idx="minor">
+                <a:schemeClr val="lt1"/>
+              </a:fontRef>
+            </p:style>
+            <p:txBody>
+              <a:bodyPr rtlCol="0" anchor="ctr"/>
+              <a:lstStyle/>
+              <a:p>
+                <a:pPr algn="ctr"/>
+                <a:endParaRPr lang="en-GB"/>
+              </a:p>
+            </p:txBody>
+          </p:sp>
+          <p:sp>
+            <p:nvSpPr>
+              <p:cNvPr id="150" name="Freeform: Shape 149">
+                <a:extLst>
+                  <a:ext uri="{FF2B5EF4-FFF2-40B4-BE49-F238E27FC236}">
+                    <a16:creationId xmlns:a16="http://schemas.microsoft.com/office/drawing/2014/main" id="{F9FE700D-267A-A006-0092-23FE8583CF1A}"/>
+                  </a:ext>
+                </a:extLst>
+              </p:cNvPr>
+              <p:cNvSpPr/>
+              <p:nvPr/>
+            </p:nvSpPr>
+            <p:spPr>
+              <a:xfrm>
+                <a:off x="5330306" y="537124"/>
+                <a:ext cx="221673" cy="841476"/>
+              </a:xfrm>
+              <a:custGeom>
+                <a:avLst/>
+                <a:gdLst>
+                  <a:gd name="connsiteX0" fmla="*/ 221673 w 221673"/>
+                  <a:gd name="connsiteY0" fmla="*/ 841476 h 841476"/>
+                  <a:gd name="connsiteX1" fmla="*/ 157018 w 221673"/>
+                  <a:gd name="connsiteY1" fmla="*/ 767585 h 841476"/>
+                  <a:gd name="connsiteX2" fmla="*/ 138545 w 221673"/>
+                  <a:gd name="connsiteY2" fmla="*/ 693694 h 841476"/>
+                  <a:gd name="connsiteX3" fmla="*/ 110836 w 221673"/>
+                  <a:gd name="connsiteY3" fmla="*/ 508967 h 841476"/>
+                  <a:gd name="connsiteX4" fmla="*/ 101600 w 221673"/>
+                  <a:gd name="connsiteY4" fmla="*/ 231876 h 841476"/>
+                  <a:gd name="connsiteX5" fmla="*/ 83127 w 221673"/>
+                  <a:gd name="connsiteY5" fmla="*/ 148749 h 841476"/>
+                  <a:gd name="connsiteX6" fmla="*/ 73891 w 221673"/>
+                  <a:gd name="connsiteY6" fmla="*/ 121040 h 841476"/>
+                  <a:gd name="connsiteX7" fmla="*/ 36945 w 221673"/>
+                  <a:gd name="connsiteY7" fmla="*/ 56385 h 841476"/>
+                  <a:gd name="connsiteX8" fmla="*/ 9236 w 221673"/>
+                  <a:gd name="connsiteY8" fmla="*/ 967 h 841476"/>
+                  <a:gd name="connsiteX9" fmla="*/ 0 w 221673"/>
+                  <a:gd name="connsiteY9" fmla="*/ 967 h 841476"/>
+                </a:gdLst>
+                <a:ahLst/>
+                <a:cxnLst>
+                  <a:cxn ang="0">
+                    <a:pos x="connsiteX0" y="connsiteY0"/>
+                  </a:cxn>
+                  <a:cxn ang="0">
+                    <a:pos x="connsiteX1" y="connsiteY1"/>
+                  </a:cxn>
+                  <a:cxn ang="0">
+                    <a:pos x="connsiteX2" y="connsiteY2"/>
+                  </a:cxn>
+                  <a:cxn ang="0">
+                    <a:pos x="connsiteX3" y="connsiteY3"/>
+                  </a:cxn>
+                  <a:cxn ang="0">
+                    <a:pos x="connsiteX4" y="connsiteY4"/>
+                  </a:cxn>
+                  <a:cxn ang="0">
+                    <a:pos x="connsiteX5" y="connsiteY5"/>
+                  </a:cxn>
+                  <a:cxn ang="0">
+                    <a:pos x="connsiteX6" y="connsiteY6"/>
+                  </a:cxn>
+                  <a:cxn ang="0">
+                    <a:pos x="connsiteX7" y="connsiteY7"/>
+                  </a:cxn>
+                  <a:cxn ang="0">
+                    <a:pos x="connsiteX8" y="connsiteY8"/>
+                  </a:cxn>
+                  <a:cxn ang="0">
+                    <a:pos x="connsiteX9" y="connsiteY9"/>
+                  </a:cxn>
+                </a:cxnLst>
+                <a:rect l="l" t="t" r="r" b="b"/>
+                <a:pathLst>
+                  <a:path w="221673" h="841476">
+                    <a:moveTo>
+                      <a:pt x="221673" y="841476"/>
+                    </a:moveTo>
+                    <a:cubicBezTo>
+                      <a:pt x="200121" y="816846"/>
+                      <a:pt x="176268" y="794053"/>
+                      <a:pt x="157018" y="767585"/>
+                    </a:cubicBezTo>
+                    <a:cubicBezTo>
+                      <a:pt x="149269" y="756930"/>
+                      <a:pt x="139289" y="697908"/>
+                      <a:pt x="138545" y="693694"/>
+                    </a:cubicBezTo>
+                    <a:cubicBezTo>
+                      <a:pt x="119217" y="584168"/>
+                      <a:pt x="122582" y="602929"/>
+                      <a:pt x="110836" y="508967"/>
+                    </a:cubicBezTo>
+                    <a:cubicBezTo>
+                      <a:pt x="107757" y="416603"/>
+                      <a:pt x="106872" y="324140"/>
+                      <a:pt x="101600" y="231876"/>
+                    </a:cubicBezTo>
+                    <a:cubicBezTo>
+                      <a:pt x="100919" y="219965"/>
+                      <a:pt x="87241" y="163148"/>
+                      <a:pt x="83127" y="148749"/>
+                    </a:cubicBezTo>
+                    <a:cubicBezTo>
+                      <a:pt x="80452" y="139388"/>
+                      <a:pt x="76252" y="130485"/>
+                      <a:pt x="73891" y="121040"/>
+                    </a:cubicBezTo>
+                    <a:cubicBezTo>
+                      <a:pt x="59053" y="61691"/>
+                      <a:pt x="80137" y="85180"/>
+                      <a:pt x="36945" y="56385"/>
+                    </a:cubicBezTo>
+                    <a:cubicBezTo>
+                      <a:pt x="29433" y="33847"/>
+                      <a:pt x="27142" y="18873"/>
+                      <a:pt x="9236" y="967"/>
+                    </a:cubicBezTo>
+                    <a:cubicBezTo>
+                      <a:pt x="7059" y="-1210"/>
+                      <a:pt x="3079" y="967"/>
+                      <a:pt x="0" y="967"/>
+                    </a:cubicBezTo>
+                  </a:path>
+                </a:pathLst>
+              </a:custGeom>
+              <a:noFill/>
+              <a:ln>
+                <a:solidFill>
+                  <a:srgbClr val="FF0000"/>
+                </a:solidFill>
+              </a:ln>
+            </p:spPr>
+            <p:style>
+              <a:lnRef idx="2">
+                <a:schemeClr val="accent1">
+                  <a:shade val="15000"/>
+                </a:schemeClr>
+              </a:lnRef>
+              <a:fillRef idx="1">
+                <a:schemeClr val="accent1"/>
+              </a:fillRef>
+              <a:effectRef idx="0">
+                <a:schemeClr val="accent1"/>
+              </a:effectRef>
+              <a:fontRef idx="minor">
+                <a:schemeClr val="lt1"/>
+              </a:fontRef>
+            </p:style>
+            <p:txBody>
+              <a:bodyPr rtlCol="0" anchor="ctr"/>
+              <a:lstStyle/>
+              <a:p>
+                <a:pPr algn="ctr"/>
+                <a:endParaRPr lang="en-GB"/>
+              </a:p>
+            </p:txBody>
+          </p:sp>
+          <p:sp>
+            <p:nvSpPr>
+              <p:cNvPr id="151" name="Freeform: Shape 150">
+                <a:extLst>
+                  <a:ext uri="{FF2B5EF4-FFF2-40B4-BE49-F238E27FC236}">
+                    <a16:creationId xmlns:a16="http://schemas.microsoft.com/office/drawing/2014/main" id="{BC73E7FB-8BEB-B41E-58C1-71AFDD22572D}"/>
+                  </a:ext>
+                </a:extLst>
+              </p:cNvPr>
+              <p:cNvSpPr/>
+              <p:nvPr/>
+            </p:nvSpPr>
+            <p:spPr>
+              <a:xfrm>
+                <a:off x="5329562" y="1040931"/>
+                <a:ext cx="221673" cy="841476"/>
+              </a:xfrm>
+              <a:custGeom>
+                <a:avLst/>
+                <a:gdLst>
+                  <a:gd name="connsiteX0" fmla="*/ 221673 w 221673"/>
+                  <a:gd name="connsiteY0" fmla="*/ 841476 h 841476"/>
+                  <a:gd name="connsiteX1" fmla="*/ 157018 w 221673"/>
+                  <a:gd name="connsiteY1" fmla="*/ 767585 h 841476"/>
+                  <a:gd name="connsiteX2" fmla="*/ 138545 w 221673"/>
+                  <a:gd name="connsiteY2" fmla="*/ 693694 h 841476"/>
+                  <a:gd name="connsiteX3" fmla="*/ 110836 w 221673"/>
+                  <a:gd name="connsiteY3" fmla="*/ 508967 h 841476"/>
+                  <a:gd name="connsiteX4" fmla="*/ 101600 w 221673"/>
+                  <a:gd name="connsiteY4" fmla="*/ 231876 h 841476"/>
+                  <a:gd name="connsiteX5" fmla="*/ 83127 w 221673"/>
+                  <a:gd name="connsiteY5" fmla="*/ 148749 h 841476"/>
+                  <a:gd name="connsiteX6" fmla="*/ 73891 w 221673"/>
+                  <a:gd name="connsiteY6" fmla="*/ 121040 h 841476"/>
+                  <a:gd name="connsiteX7" fmla="*/ 36945 w 221673"/>
+                  <a:gd name="connsiteY7" fmla="*/ 56385 h 841476"/>
+                  <a:gd name="connsiteX8" fmla="*/ 9236 w 221673"/>
+                  <a:gd name="connsiteY8" fmla="*/ 967 h 841476"/>
+                  <a:gd name="connsiteX9" fmla="*/ 0 w 221673"/>
+                  <a:gd name="connsiteY9" fmla="*/ 967 h 841476"/>
+                </a:gdLst>
+                <a:ahLst/>
+                <a:cxnLst>
+                  <a:cxn ang="0">
+                    <a:pos x="connsiteX0" y="connsiteY0"/>
+                  </a:cxn>
+                  <a:cxn ang="0">
+                    <a:pos x="connsiteX1" y="connsiteY1"/>
+                  </a:cxn>
+                  <a:cxn ang="0">
+                    <a:pos x="connsiteX2" y="connsiteY2"/>
+                  </a:cxn>
+                  <a:cxn ang="0">
+                    <a:pos x="connsiteX3" y="connsiteY3"/>
+                  </a:cxn>
+                  <a:cxn ang="0">
+                    <a:pos x="connsiteX4" y="connsiteY4"/>
+                  </a:cxn>
+                  <a:cxn ang="0">
+                    <a:pos x="connsiteX5" y="connsiteY5"/>
+                  </a:cxn>
+                  <a:cxn ang="0">
+                    <a:pos x="connsiteX6" y="connsiteY6"/>
+                  </a:cxn>
+                  <a:cxn ang="0">
+                    <a:pos x="connsiteX7" y="connsiteY7"/>
+                  </a:cxn>
+                  <a:cxn ang="0">
+                    <a:pos x="connsiteX8" y="connsiteY8"/>
+                  </a:cxn>
+                  <a:cxn ang="0">
+                    <a:pos x="connsiteX9" y="connsiteY9"/>
+                  </a:cxn>
+                </a:cxnLst>
+                <a:rect l="l" t="t" r="r" b="b"/>
+                <a:pathLst>
+                  <a:path w="221673" h="841476">
+                    <a:moveTo>
+                      <a:pt x="221673" y="841476"/>
+                    </a:moveTo>
+                    <a:cubicBezTo>
+                      <a:pt x="200121" y="816846"/>
+                      <a:pt x="176268" y="794053"/>
+                      <a:pt x="157018" y="767585"/>
+                    </a:cubicBezTo>
+                    <a:cubicBezTo>
+                      <a:pt x="149269" y="756930"/>
+                      <a:pt x="139289" y="697908"/>
+                      <a:pt x="138545" y="693694"/>
+                    </a:cubicBezTo>
+                    <a:cubicBezTo>
+                      <a:pt x="119217" y="584168"/>
+                      <a:pt x="122582" y="602929"/>
+                      <a:pt x="110836" y="508967"/>
+                    </a:cubicBezTo>
+                    <a:cubicBezTo>
+                      <a:pt x="107757" y="416603"/>
+                      <a:pt x="106872" y="324140"/>
+                      <a:pt x="101600" y="231876"/>
+                    </a:cubicBezTo>
+                    <a:cubicBezTo>
+                      <a:pt x="100919" y="219965"/>
+                      <a:pt x="87241" y="163148"/>
+                      <a:pt x="83127" y="148749"/>
+                    </a:cubicBezTo>
+                    <a:cubicBezTo>
+                      <a:pt x="80452" y="139388"/>
+                      <a:pt x="76252" y="130485"/>
+                      <a:pt x="73891" y="121040"/>
+                    </a:cubicBezTo>
+                    <a:cubicBezTo>
+                      <a:pt x="59053" y="61691"/>
+                      <a:pt x="80137" y="85180"/>
+                      <a:pt x="36945" y="56385"/>
+                    </a:cubicBezTo>
+                    <a:cubicBezTo>
+                      <a:pt x="29433" y="33847"/>
+                      <a:pt x="27142" y="18873"/>
+                      <a:pt x="9236" y="967"/>
+                    </a:cubicBezTo>
+                    <a:cubicBezTo>
+                      <a:pt x="7059" y="-1210"/>
+                      <a:pt x="3079" y="967"/>
+                      <a:pt x="0" y="967"/>
+                    </a:cubicBezTo>
+                  </a:path>
+                </a:pathLst>
+              </a:custGeom>
+              <a:noFill/>
+              <a:ln>
+                <a:solidFill>
+                  <a:schemeClr val="bg1">
+                    <a:lumMod val="50000"/>
+                  </a:schemeClr>
+                </a:solidFill>
+              </a:ln>
+            </p:spPr>
+            <p:style>
+              <a:lnRef idx="2">
+                <a:schemeClr val="accent1">
+                  <a:shade val="15000"/>
+                </a:schemeClr>
+              </a:lnRef>
+              <a:fillRef idx="1">
+                <a:schemeClr val="accent1"/>
+              </a:fillRef>
+              <a:effectRef idx="0">
+                <a:schemeClr val="accent1"/>
+              </a:effectRef>
+              <a:fontRef idx="minor">
+                <a:schemeClr val="lt1"/>
+              </a:fontRef>
+            </p:style>
+            <p:txBody>
+              <a:bodyPr rtlCol="0" anchor="ctr"/>
+              <a:lstStyle/>
+              <a:p>
+                <a:pPr algn="ctr"/>
+                <a:endParaRPr lang="en-GB"/>
+              </a:p>
+            </p:txBody>
+          </p:sp>
+        </p:grpSp>
+      </p:grpSp>
     </p:spTree>
     <p:extLst>
       <p:ext uri="{BB962C8B-B14F-4D97-AF65-F5344CB8AC3E}">

--- a/img/information_exchange.pptx
+++ b/img/information_exchange.pptx
@@ -261,7 +261,7 @@
           <a:p>
             <a:fld id="{55990B9E-D0E4-4D42-89AC-E3C145878768}" type="datetimeFigureOut">
               <a:rPr lang="en-GB" smtClean="0"/>
-              <a:t>29/07/2025</a:t>
+              <a:t>31/07/2025</a:t>
             </a:fld>
             <a:endParaRPr lang="en-GB"/>
           </a:p>
@@ -461,7 +461,7 @@
           <a:p>
             <a:fld id="{55990B9E-D0E4-4D42-89AC-E3C145878768}" type="datetimeFigureOut">
               <a:rPr lang="en-GB" smtClean="0"/>
-              <a:t>29/07/2025</a:t>
+              <a:t>31/07/2025</a:t>
             </a:fld>
             <a:endParaRPr lang="en-GB"/>
           </a:p>
@@ -671,7 +671,7 @@
           <a:p>
             <a:fld id="{55990B9E-D0E4-4D42-89AC-E3C145878768}" type="datetimeFigureOut">
               <a:rPr lang="en-GB" smtClean="0"/>
-              <a:t>29/07/2025</a:t>
+              <a:t>31/07/2025</a:t>
             </a:fld>
             <a:endParaRPr lang="en-GB"/>
           </a:p>
@@ -871,7 +871,7 @@
           <a:p>
             <a:fld id="{55990B9E-D0E4-4D42-89AC-E3C145878768}" type="datetimeFigureOut">
               <a:rPr lang="en-GB" smtClean="0"/>
-              <a:t>29/07/2025</a:t>
+              <a:t>31/07/2025</a:t>
             </a:fld>
             <a:endParaRPr lang="en-GB"/>
           </a:p>
@@ -1147,7 +1147,7 @@
           <a:p>
             <a:fld id="{55990B9E-D0E4-4D42-89AC-E3C145878768}" type="datetimeFigureOut">
               <a:rPr lang="en-GB" smtClean="0"/>
-              <a:t>29/07/2025</a:t>
+              <a:t>31/07/2025</a:t>
             </a:fld>
             <a:endParaRPr lang="en-GB"/>
           </a:p>
@@ -1415,7 +1415,7 @@
           <a:p>
             <a:fld id="{55990B9E-D0E4-4D42-89AC-E3C145878768}" type="datetimeFigureOut">
               <a:rPr lang="en-GB" smtClean="0"/>
-              <a:t>29/07/2025</a:t>
+              <a:t>31/07/2025</a:t>
             </a:fld>
             <a:endParaRPr lang="en-GB"/>
           </a:p>
@@ -1830,7 +1830,7 @@
           <a:p>
             <a:fld id="{55990B9E-D0E4-4D42-89AC-E3C145878768}" type="datetimeFigureOut">
               <a:rPr lang="en-GB" smtClean="0"/>
-              <a:t>29/07/2025</a:t>
+              <a:t>31/07/2025</a:t>
             </a:fld>
             <a:endParaRPr lang="en-GB"/>
           </a:p>
@@ -1972,7 +1972,7 @@
           <a:p>
             <a:fld id="{55990B9E-D0E4-4D42-89AC-E3C145878768}" type="datetimeFigureOut">
               <a:rPr lang="en-GB" smtClean="0"/>
-              <a:t>29/07/2025</a:t>
+              <a:t>31/07/2025</a:t>
             </a:fld>
             <a:endParaRPr lang="en-GB"/>
           </a:p>
@@ -2085,7 +2085,7 @@
           <a:p>
             <a:fld id="{55990B9E-D0E4-4D42-89AC-E3C145878768}" type="datetimeFigureOut">
               <a:rPr lang="en-GB" smtClean="0"/>
-              <a:t>29/07/2025</a:t>
+              <a:t>31/07/2025</a:t>
             </a:fld>
             <a:endParaRPr lang="en-GB"/>
           </a:p>
@@ -2398,7 +2398,7 @@
           <a:p>
             <a:fld id="{55990B9E-D0E4-4D42-89AC-E3C145878768}" type="datetimeFigureOut">
               <a:rPr lang="en-GB" smtClean="0"/>
-              <a:t>29/07/2025</a:t>
+              <a:t>31/07/2025</a:t>
             </a:fld>
             <a:endParaRPr lang="en-GB"/>
           </a:p>
@@ -2687,7 +2687,7 @@
           <a:p>
             <a:fld id="{55990B9E-D0E4-4D42-89AC-E3C145878768}" type="datetimeFigureOut">
               <a:rPr lang="en-GB" smtClean="0"/>
-              <a:t>29/07/2025</a:t>
+              <a:t>31/07/2025</a:t>
             </a:fld>
             <a:endParaRPr lang="en-GB"/>
           </a:p>
@@ -2930,7 +2930,7 @@
           <a:p>
             <a:fld id="{55990B9E-D0E4-4D42-89AC-E3C145878768}" type="datetimeFigureOut">
               <a:rPr lang="en-GB" smtClean="0"/>
-              <a:t>29/07/2025</a:t>
+              <a:t>31/07/2025</a:t>
             </a:fld>
             <a:endParaRPr lang="en-GB"/>
           </a:p>
@@ -11882,109 +11882,6 @@
           </a:prstGeom>
         </p:spPr>
       </p:pic>
-      <p:grpSp>
-        <p:nvGrpSpPr>
-          <p:cNvPr id="11" name="Group 10">
-            <a:extLst>
-              <a:ext uri="{FF2B5EF4-FFF2-40B4-BE49-F238E27FC236}">
-                <a16:creationId xmlns:a16="http://schemas.microsoft.com/office/drawing/2014/main" id="{1C77225F-BCE6-D064-4ECE-262D67DABE46}"/>
-              </a:ext>
-            </a:extLst>
-          </p:cNvPr>
-          <p:cNvGrpSpPr/>
-          <p:nvPr/>
-        </p:nvGrpSpPr>
-        <p:grpSpPr>
-          <a:xfrm>
-            <a:off x="3267745" y="5698923"/>
-            <a:ext cx="680199" cy="233469"/>
-            <a:chOff x="7650818" y="3850771"/>
-            <a:chExt cx="680199" cy="233469"/>
-          </a:xfrm>
-        </p:grpSpPr>
-        <p:cxnSp>
-          <p:nvCxnSpPr>
-            <p:cNvPr id="12" name="Straight Arrow Connector 11">
-              <a:extLst>
-                <a:ext uri="{FF2B5EF4-FFF2-40B4-BE49-F238E27FC236}">
-                  <a16:creationId xmlns:a16="http://schemas.microsoft.com/office/drawing/2014/main" id="{CB653A9C-D8C0-799B-6C39-C719A5DF89C9}"/>
-                </a:ext>
-              </a:extLst>
-            </p:cNvPr>
-            <p:cNvCxnSpPr>
-              <a:cxnSpLocks/>
-            </p:cNvCxnSpPr>
-            <p:nvPr/>
-          </p:nvCxnSpPr>
-          <p:spPr>
-            <a:xfrm>
-              <a:off x="7650818" y="3850771"/>
-              <a:ext cx="680199" cy="165709"/>
-            </a:xfrm>
-            <a:prstGeom prst="straightConnector1">
-              <a:avLst/>
-            </a:prstGeom>
-            <a:ln>
-              <a:solidFill>
-                <a:srgbClr val="FF0000"/>
-              </a:solidFill>
-              <a:prstDash val="sysDot"/>
-              <a:headEnd type="arrow" w="sm" len="sm"/>
-              <a:tailEnd type="arrow" w="sm" len="sm"/>
-            </a:ln>
-          </p:spPr>
-          <p:style>
-            <a:lnRef idx="2">
-              <a:schemeClr val="accent1"/>
-            </a:lnRef>
-            <a:fillRef idx="0">
-              <a:schemeClr val="accent1"/>
-            </a:fillRef>
-            <a:effectRef idx="1">
-              <a:schemeClr val="accent1"/>
-            </a:effectRef>
-            <a:fontRef idx="minor">
-              <a:schemeClr val="tx1"/>
-            </a:fontRef>
-          </p:style>
-        </p:cxnSp>
-        <p:pic>
-          <p:nvPicPr>
-            <p:cNvPr id="13" name="Graphic 12" descr="Wireless with solid fill">
-              <a:extLst>
-                <a:ext uri="{FF2B5EF4-FFF2-40B4-BE49-F238E27FC236}">
-                  <a16:creationId xmlns:a16="http://schemas.microsoft.com/office/drawing/2014/main" id="{EB764A71-5DAF-3946-3699-6738AA18E44D}"/>
-                </a:ext>
-              </a:extLst>
-            </p:cNvPr>
-            <p:cNvPicPr>
-              <a:picLocks noChangeAspect="1"/>
-            </p:cNvPicPr>
-            <p:nvPr/>
-          </p:nvPicPr>
-          <p:blipFill>
-            <a:blip r:embed="rId2">
-              <a:extLst>
-                <a:ext uri="{96DAC541-7B7A-43D3-8B79-37D633B846F1}">
-                  <asvg:svgBlip xmlns:asvg="http://schemas.microsoft.com/office/drawing/2016/SVG/main" r:embed="rId3"/>
-                </a:ext>
-              </a:extLst>
-            </a:blip>
-            <a:stretch>
-              <a:fillRect/>
-            </a:stretch>
-          </p:blipFill>
-          <p:spPr>
-            <a:xfrm rot="2700000">
-              <a:off x="7893869" y="3919395"/>
-              <a:ext cx="164845" cy="164845"/>
-            </a:xfrm>
-            <a:prstGeom prst="rect">
-              <a:avLst/>
-            </a:prstGeom>
-          </p:spPr>
-        </p:pic>
-      </p:grpSp>
       <p:sp>
         <p:nvSpPr>
           <p:cNvPr id="17" name="TextBox 16">
@@ -15007,6 +14904,131 @@
           </p:sp>
         </p:grpSp>
       </p:grpSp>
+      <p:sp>
+        <p:nvSpPr>
+          <p:cNvPr id="14" name="TextBox 13">
+            <a:extLst>
+              <a:ext uri="{FF2B5EF4-FFF2-40B4-BE49-F238E27FC236}">
+                <a16:creationId xmlns:a16="http://schemas.microsoft.com/office/drawing/2014/main" id="{43EC9321-01C8-2518-4DCB-F768D0E27170}"/>
+              </a:ext>
+            </a:extLst>
+          </p:cNvPr>
+          <p:cNvSpPr txBox="1"/>
+          <p:nvPr/>
+        </p:nvSpPr>
+        <p:spPr>
+          <a:xfrm>
+            <a:off x="3909080" y="4784728"/>
+            <a:ext cx="709919" cy="253916"/>
+          </a:xfrm>
+          <a:prstGeom prst="rect">
+            <a:avLst/>
+          </a:prstGeom>
+          <a:noFill/>
+        </p:spPr>
+        <p:txBody>
+          <a:bodyPr wrap="square" rtlCol="0">
+            <a:spAutoFit/>
+          </a:bodyPr>
+          <a:lstStyle/>
+          <a:p>
+            <a:pPr algn="ctr"/>
+            <a:r>
+              <a:rPr lang="en-US" sz="1050" b="1" dirty="0">
+                <a:solidFill>
+                  <a:schemeClr val="tx2">
+                    <a:lumMod val="90000"/>
+                    <a:lumOff val="10000"/>
+                  </a:schemeClr>
+                </a:solidFill>
+              </a:rPr>
+              <a:t>‘ROOT’</a:t>
+            </a:r>
+            <a:endParaRPr lang="en-GB" sz="1050" b="1" dirty="0">
+              <a:solidFill>
+                <a:schemeClr val="tx2">
+                  <a:lumMod val="90000"/>
+                  <a:lumOff val="10000"/>
+                </a:schemeClr>
+              </a:solidFill>
+            </a:endParaRPr>
+          </a:p>
+        </p:txBody>
+      </p:sp>
+      <p:sp>
+        <p:nvSpPr>
+          <p:cNvPr id="15" name="TextBox 14">
+            <a:extLst>
+              <a:ext uri="{FF2B5EF4-FFF2-40B4-BE49-F238E27FC236}">
+                <a16:creationId xmlns:a16="http://schemas.microsoft.com/office/drawing/2014/main" id="{DC6C04BF-CBCD-7C2D-CB9B-2310C0C652A7}"/>
+              </a:ext>
+            </a:extLst>
+          </p:cNvPr>
+          <p:cNvSpPr txBox="1"/>
+          <p:nvPr/>
+        </p:nvSpPr>
+        <p:spPr>
+          <a:xfrm>
+            <a:off x="3819557" y="5835406"/>
+            <a:ext cx="538154" cy="230832"/>
+          </a:xfrm>
+          <a:prstGeom prst="rect">
+            <a:avLst/>
+          </a:prstGeom>
+          <a:noFill/>
+        </p:spPr>
+        <p:txBody>
+          <a:bodyPr wrap="square" rtlCol="0">
+            <a:spAutoFit/>
+          </a:bodyPr>
+          <a:lstStyle/>
+          <a:p>
+            <a:pPr algn="ctr"/>
+            <a:r>
+              <a:rPr lang="en-US" sz="900" b="1" dirty="0"/>
+              <a:t>NODE</a:t>
+            </a:r>
+            <a:endParaRPr lang="en-GB" sz="900" b="1" dirty="0"/>
+          </a:p>
+        </p:txBody>
+      </p:sp>
+      <p:sp>
+        <p:nvSpPr>
+          <p:cNvPr id="21" name="TextBox 20">
+            <a:extLst>
+              <a:ext uri="{FF2B5EF4-FFF2-40B4-BE49-F238E27FC236}">
+                <a16:creationId xmlns:a16="http://schemas.microsoft.com/office/drawing/2014/main" id="{2F6E7A0F-F4E8-2D7E-9932-E3D76B965CA8}"/>
+              </a:ext>
+            </a:extLst>
+          </p:cNvPr>
+          <p:cNvSpPr txBox="1"/>
+          <p:nvPr/>
+        </p:nvSpPr>
+        <p:spPr>
+          <a:xfrm>
+            <a:off x="2857978" y="5586871"/>
+            <a:ext cx="538154" cy="230832"/>
+          </a:xfrm>
+          <a:prstGeom prst="rect">
+            <a:avLst/>
+          </a:prstGeom>
+          <a:noFill/>
+        </p:spPr>
+        <p:txBody>
+          <a:bodyPr wrap="square" rtlCol="0">
+            <a:spAutoFit/>
+          </a:bodyPr>
+          <a:lstStyle/>
+          <a:p>
+            <a:pPr algn="ctr"/>
+            <a:r>
+              <a:rPr lang="en-US" sz="900" b="1" dirty="0"/>
+              <a:t>NODE</a:t>
+            </a:r>
+            <a:endParaRPr lang="en-GB" sz="900" b="1" dirty="0"/>
+          </a:p>
+        </p:txBody>
+      </p:sp>
     </p:spTree>
     <p:extLst>
       <p:ext uri="{BB962C8B-B14F-4D97-AF65-F5344CB8AC3E}">
@@ -15136,33 +15158,6 @@
                                         </p:cTn>
                                         <p:tgtEl>
                                           <p:spTgt spid="16"/>
-                                        </p:tgtEl>
-                                        <p:attrNameLst>
-                                          <p:attrName>style.visibility</p:attrName>
-                                        </p:attrNameLst>
-                                      </p:cBhvr>
-                                      <p:to>
-                                        <p:strVal val="visible"/>
-                                      </p:to>
-                                    </p:set>
-                                  </p:childTnLst>
-                                </p:cTn>
-                              </p:par>
-                              <p:par>
-                                <p:cTn id="13" presetID="1" presetClass="entr" presetSubtype="0" fill="hold" nodeType="withEffect">
-                                  <p:stCondLst>
-                                    <p:cond delay="0"/>
-                                  </p:stCondLst>
-                                  <p:childTnLst>
-                                    <p:set>
-                                      <p:cBhvr>
-                                        <p:cTn id="14" dur="1" fill="hold">
-                                          <p:stCondLst>
-                                            <p:cond delay="0"/>
-                                          </p:stCondLst>
-                                        </p:cTn>
-                                        <p:tgtEl>
-                                          <p:spTgt spid="11"/>
                                         </p:tgtEl>
                                         <p:attrNameLst>
                                           <p:attrName>style.visibility</p:attrName>
